--- a/codeNote.pptx
+++ b/codeNote.pptx
@@ -9,6 +9,20 @@
     <p:sldId id="260" r:id="rId3"/>
     <p:sldId id="261" r:id="rId4"/>
     <p:sldId id="262" r:id="rId5"/>
+    <p:sldId id="276" r:id="rId6"/>
+    <p:sldId id="263" r:id="rId7"/>
+    <p:sldId id="264" r:id="rId8"/>
+    <p:sldId id="265" r:id="rId9"/>
+    <p:sldId id="266" r:id="rId10"/>
+    <p:sldId id="267" r:id="rId11"/>
+    <p:sldId id="268" r:id="rId12"/>
+    <p:sldId id="270" r:id="rId13"/>
+    <p:sldId id="269" r:id="rId14"/>
+    <p:sldId id="271" r:id="rId15"/>
+    <p:sldId id="272" r:id="rId16"/>
+    <p:sldId id="273" r:id="rId17"/>
+    <p:sldId id="274" r:id="rId18"/>
+    <p:sldId id="275" r:id="rId19"/>
   </p:sldIdLst>
   <p:sldSz cx="12192000" cy="6858000"/>
   <p:notesSz cx="6858000" cy="9144000"/>
@@ -3386,6 +3400,2373 @@
 </p:sld>
 </file>
 
+<file path=ppt/slides/slide10.xml><?xml version="1.0" encoding="utf-8"?>
+<p:sld xmlns:a="http://schemas.openxmlformats.org/drawingml/2006/main" xmlns:r="http://schemas.openxmlformats.org/officeDocument/2006/relationships" xmlns:p="http://schemas.openxmlformats.org/presentationml/2006/main">
+  <p:cSld>
+    <p:spTree>
+      <p:nvGrpSpPr>
+        <p:cNvPr id="1" name=""/>
+        <p:cNvGrpSpPr/>
+        <p:nvPr/>
+      </p:nvGrpSpPr>
+      <p:grpSpPr>
+        <a:xfrm>
+          <a:off x="0" y="0"/>
+          <a:ext cx="0" cy="0"/>
+          <a:chOff x="0" y="0"/>
+          <a:chExt cx="0" cy="0"/>
+        </a:xfrm>
+      </p:grpSpPr>
+      <p:sp>
+        <p:nvSpPr>
+          <p:cNvPr id="4" name="TextBox 3">
+            <a:extLst>
+              <a:ext uri="{FF2B5EF4-FFF2-40B4-BE49-F238E27FC236}">
+                <a16:creationId xmlns:a16="http://schemas.microsoft.com/office/drawing/2014/main" id="{2ABDC8C0-06E2-ADD7-3BF7-1952C0B6B3CA}"/>
+              </a:ext>
+            </a:extLst>
+          </p:cNvPr>
+          <p:cNvSpPr txBox="1"/>
+          <p:nvPr/>
+        </p:nvSpPr>
+        <p:spPr>
+          <a:xfrm>
+            <a:off x="591207" y="438071"/>
+            <a:ext cx="6101254" cy="369332"/>
+          </a:xfrm>
+          <a:prstGeom prst="rect">
+            <a:avLst/>
+          </a:prstGeom>
+          <a:noFill/>
+        </p:spPr>
+        <p:txBody>
+          <a:bodyPr wrap="square">
+            <a:spAutoFit/>
+          </a:bodyPr>
+          <a:lstStyle/>
+          <a:p>
+            <a:r>
+              <a:rPr lang="en-US" dirty="0"/>
+              <a:t>Lr</a:t>
+            </a:r>
+            <a:r>
+              <a:rPr lang="zh-CN" altLang="en-US" dirty="0"/>
+              <a:t> </a:t>
+            </a:r>
+            <a:r>
+              <a:rPr lang="en-US" altLang="zh-CN" dirty="0"/>
+              <a:t>=0.0004</a:t>
+            </a:r>
+            <a:endParaRPr lang="en-US" dirty="0"/>
+          </a:p>
+        </p:txBody>
+      </p:sp>
+      <p:sp>
+        <p:nvSpPr>
+          <p:cNvPr id="6" name="TextBox 5">
+            <a:extLst>
+              <a:ext uri="{FF2B5EF4-FFF2-40B4-BE49-F238E27FC236}">
+                <a16:creationId xmlns:a16="http://schemas.microsoft.com/office/drawing/2014/main" id="{898E7703-F92B-F676-15B9-68F473415CC2}"/>
+              </a:ext>
+            </a:extLst>
+          </p:cNvPr>
+          <p:cNvSpPr txBox="1"/>
+          <p:nvPr/>
+        </p:nvSpPr>
+        <p:spPr>
+          <a:xfrm>
+            <a:off x="906517" y="2274838"/>
+            <a:ext cx="9262241" cy="2308324"/>
+          </a:xfrm>
+          <a:prstGeom prst="rect">
+            <a:avLst/>
+          </a:prstGeom>
+          <a:noFill/>
+        </p:spPr>
+        <p:txBody>
+          <a:bodyPr wrap="square">
+            <a:spAutoFit/>
+          </a:bodyPr>
+          <a:lstStyle/>
+          <a:p>
+            <a:r>
+              <a:rPr lang="en-US" dirty="0" err="1"/>
+              <a:t>loss.item</a:t>
+            </a:r>
+            <a:r>
+              <a:rPr lang="en-US" dirty="0"/>
+              <a:t>() 0.1527809053659439 </a:t>
+            </a:r>
+            <a:r>
+              <a:rPr lang="en-US" dirty="0" err="1"/>
+              <a:t>value_loss.item</a:t>
+            </a:r>
+            <a:r>
+              <a:rPr lang="en-US" dirty="0"/>
+              <a:t>() 0.03901302069425583 </a:t>
+            </a:r>
+            <a:r>
+              <a:rPr lang="en-US" dirty="0" err="1"/>
+              <a:t>surr_loss.item</a:t>
+            </a:r>
+            <a:r>
+              <a:rPr lang="en-US" dirty="0"/>
+              <a:t>() 0.1616269052028656 </a:t>
+            </a:r>
+            <a:r>
+              <a:rPr lang="en-US" dirty="0" err="1"/>
+              <a:t>entropy_loss.item</a:t>
+            </a:r>
+            <a:r>
+              <a:rPr lang="en-US" dirty="0"/>
+              <a:t>() -2.8352513313293457</a:t>
+            </a:r>
+          </a:p>
+          <a:p>
+            <a:r>
+              <a:rPr lang="en-US" dirty="0" err="1"/>
+              <a:t>loss.item</a:t>
+            </a:r>
+            <a:r>
+              <a:rPr lang="en-US" dirty="0"/>
+              <a:t>() 0.14847075939178467 </a:t>
+            </a:r>
+            <a:r>
+              <a:rPr lang="en-US" dirty="0" err="1"/>
+              <a:t>value_loss.item</a:t>
+            </a:r>
+            <a:r>
+              <a:rPr lang="en-US" dirty="0"/>
+              <a:t>() 0.028909724205732346 </a:t>
+            </a:r>
+            <a:r>
+              <a:rPr lang="en-US" dirty="0" err="1"/>
+              <a:t>surr_loss.item</a:t>
+            </a:r>
+            <a:r>
+              <a:rPr lang="en-US" dirty="0"/>
+              <a:t>() 0.1623990386724472 </a:t>
+            </a:r>
+            <a:r>
+              <a:rPr lang="en-US" dirty="0" err="1"/>
+              <a:t>entropy_loss.item</a:t>
+            </a:r>
+            <a:r>
+              <a:rPr lang="en-US" dirty="0"/>
+              <a:t>() -2.838313341140747</a:t>
+            </a:r>
+          </a:p>
+          <a:p>
+            <a:r>
+              <a:rPr lang="en-US" dirty="0" err="1"/>
+              <a:t>loss.item</a:t>
+            </a:r>
+            <a:r>
+              <a:rPr lang="en-US" dirty="0"/>
+              <a:t>() 0.1448313146829605 </a:t>
+            </a:r>
+            <a:r>
+              <a:rPr lang="en-US" dirty="0" err="1"/>
+              <a:t>value_loss.item</a:t>
+            </a:r>
+            <a:r>
+              <a:rPr lang="en-US" dirty="0"/>
+              <a:t>() 0.0218900665640831 </a:t>
+            </a:r>
+            <a:r>
+              <a:rPr lang="en-US" dirty="0" err="1"/>
+              <a:t>surr_loss.item</a:t>
+            </a:r>
+            <a:r>
+              <a:rPr lang="en-US" dirty="0"/>
+              <a:t>() 0.16225853562355042 </a:t>
+            </a:r>
+            <a:r>
+              <a:rPr lang="en-US" dirty="0" err="1"/>
+              <a:t>entropy_loss.item</a:t>
+            </a:r>
+            <a:r>
+              <a:rPr lang="en-US" dirty="0"/>
+              <a:t>() -2.837226390838623</a:t>
+            </a:r>
+          </a:p>
+          <a:p>
+            <a:r>
+              <a:rPr lang="en-US" dirty="0" err="1"/>
+              <a:t>loss.item</a:t>
+            </a:r>
+            <a:r>
+              <a:rPr lang="en-US" dirty="0"/>
+              <a:t>() 0.14198118448257446 </a:t>
+            </a:r>
+            <a:r>
+              <a:rPr lang="en-US" dirty="0" err="1"/>
+              <a:t>value_loss.item</a:t>
+            </a:r>
+            <a:r>
+              <a:rPr lang="en-US" dirty="0"/>
+              <a:t>() 0.016864998266100883 </a:t>
+            </a:r>
+            <a:r>
+              <a:rPr lang="en-US" dirty="0" err="1"/>
+              <a:t>surr_loss.item</a:t>
+            </a:r>
+            <a:r>
+              <a:rPr lang="en-US" dirty="0"/>
+              <a:t>() 0.16193366050720215 </a:t>
+            </a:r>
+            <a:r>
+              <a:rPr lang="en-US" dirty="0" err="1"/>
+              <a:t>entropy_loss.item</a:t>
+            </a:r>
+            <a:r>
+              <a:rPr lang="en-US" dirty="0"/>
+              <a:t>() -2.8384971618652344</a:t>
+            </a:r>
+          </a:p>
+        </p:txBody>
+      </p:sp>
+    </p:spTree>
+    <p:extLst>
+      <p:ext uri="{BB962C8B-B14F-4D97-AF65-F5344CB8AC3E}">
+        <p14:creationId xmlns:p14="http://schemas.microsoft.com/office/powerpoint/2010/main" val="663999793"/>
+      </p:ext>
+    </p:extLst>
+  </p:cSld>
+  <p:clrMapOvr>
+    <a:masterClrMapping/>
+  </p:clrMapOvr>
+</p:sld>
+</file>
+
+<file path=ppt/slides/slide11.xml><?xml version="1.0" encoding="utf-8"?>
+<p:sld xmlns:a="http://schemas.openxmlformats.org/drawingml/2006/main" xmlns:r="http://schemas.openxmlformats.org/officeDocument/2006/relationships" xmlns:p="http://schemas.openxmlformats.org/presentationml/2006/main">
+  <p:cSld>
+    <p:spTree>
+      <p:nvGrpSpPr>
+        <p:cNvPr id="1" name=""/>
+        <p:cNvGrpSpPr/>
+        <p:nvPr/>
+      </p:nvGrpSpPr>
+      <p:grpSpPr>
+        <a:xfrm>
+          <a:off x="0" y="0"/>
+          <a:ext cx="0" cy="0"/>
+          <a:chOff x="0" y="0"/>
+          <a:chExt cx="0" cy="0"/>
+        </a:xfrm>
+      </p:grpSpPr>
+      <p:sp>
+        <p:nvSpPr>
+          <p:cNvPr id="5" name="TextBox 4">
+            <a:extLst>
+              <a:ext uri="{FF2B5EF4-FFF2-40B4-BE49-F238E27FC236}">
+                <a16:creationId xmlns:a16="http://schemas.microsoft.com/office/drawing/2014/main" id="{FCBDCEF0-1116-F4A9-5515-F8E67926C4FA}"/>
+              </a:ext>
+            </a:extLst>
+          </p:cNvPr>
+          <p:cNvSpPr txBox="1"/>
+          <p:nvPr/>
+        </p:nvSpPr>
+        <p:spPr>
+          <a:xfrm>
+            <a:off x="1505608" y="3077860"/>
+            <a:ext cx="9687910" cy="2585323"/>
+          </a:xfrm>
+          <a:prstGeom prst="rect">
+            <a:avLst/>
+          </a:prstGeom>
+          <a:noFill/>
+        </p:spPr>
+        <p:txBody>
+          <a:bodyPr wrap="square">
+            <a:spAutoFit/>
+          </a:bodyPr>
+          <a:lstStyle/>
+          <a:p>
+            <a:r>
+              <a:rPr lang="en-US" dirty="0" err="1"/>
+              <a:t>optimize_policy</a:t>
+            </a:r>
+            <a:r>
+              <a:rPr lang="en-US" dirty="0"/>
+              <a:t>_ start </a:t>
+            </a:r>
+            <a:r>
+              <a:rPr lang="en-US" dirty="0" err="1"/>
+              <a:t>update_params</a:t>
+            </a:r>
+            <a:endParaRPr lang="en-US" dirty="0"/>
+          </a:p>
+          <a:p>
+            <a:r>
+              <a:rPr lang="en-US" dirty="0" err="1"/>
+              <a:t>loss.item</a:t>
+            </a:r>
+            <a:r>
+              <a:rPr lang="en-US" dirty="0"/>
+              <a:t>() 0.1527809053659439 </a:t>
+            </a:r>
+            <a:r>
+              <a:rPr lang="en-US" dirty="0" err="1"/>
+              <a:t>value_loss.item</a:t>
+            </a:r>
+            <a:r>
+              <a:rPr lang="en-US" dirty="0"/>
+              <a:t>() 0.03901302441954613 </a:t>
+            </a:r>
+            <a:r>
+              <a:rPr lang="en-US" dirty="0" err="1"/>
+              <a:t>surr_loss.item</a:t>
+            </a:r>
+            <a:r>
+              <a:rPr lang="en-US" dirty="0"/>
+              <a:t>() 0.1616269052028656 </a:t>
+            </a:r>
+            <a:r>
+              <a:rPr lang="en-US" dirty="0" err="1"/>
+              <a:t>entropy_loss.item</a:t>
+            </a:r>
+            <a:r>
+              <a:rPr lang="en-US" dirty="0"/>
+              <a:t>() -2.8352513313293457</a:t>
+            </a:r>
+          </a:p>
+          <a:p>
+            <a:r>
+              <a:rPr lang="en-US" dirty="0" err="1"/>
+              <a:t>loss.item</a:t>
+            </a:r>
+            <a:r>
+              <a:rPr lang="en-US" dirty="0"/>
+              <a:t>() 0.1533508598804474 </a:t>
+            </a:r>
+            <a:r>
+              <a:rPr lang="en-US" dirty="0" err="1"/>
+              <a:t>value_loss.item</a:t>
+            </a:r>
+            <a:r>
+              <a:rPr lang="en-US" dirty="0"/>
+              <a:t>() 0.03866995871067047 </a:t>
+            </a:r>
+            <a:r>
+              <a:rPr lang="en-US" dirty="0" err="1"/>
+              <a:t>surr_loss.item</a:t>
+            </a:r>
+            <a:r>
+              <a:rPr lang="en-US" dirty="0"/>
+              <a:t>() 0.162399023771286 </a:t>
+            </a:r>
+            <a:r>
+              <a:rPr lang="en-US" dirty="0" err="1"/>
+              <a:t>entropy_loss.item</a:t>
+            </a:r>
+            <a:r>
+              <a:rPr lang="en-US" dirty="0"/>
+              <a:t>() -2.838313341140747</a:t>
+            </a:r>
+          </a:p>
+          <a:p>
+            <a:r>
+              <a:rPr lang="en-US" dirty="0" err="1"/>
+              <a:t>loss.item</a:t>
+            </a:r>
+            <a:r>
+              <a:rPr lang="en-US" dirty="0"/>
+              <a:t>() 0.1534225046634674 </a:t>
+            </a:r>
+            <a:r>
+              <a:rPr lang="en-US" dirty="0" err="1"/>
+              <a:t>value_loss.item</a:t>
+            </a:r>
+            <a:r>
+              <a:rPr lang="en-US" dirty="0"/>
+              <a:t>() 0.039072442799806595 </a:t>
+            </a:r>
+            <a:r>
+              <a:rPr lang="en-US" dirty="0" err="1"/>
+              <a:t>surr_loss.item</a:t>
+            </a:r>
+            <a:r>
+              <a:rPr lang="en-US" dirty="0"/>
+              <a:t>() 0.16225853562355042 </a:t>
+            </a:r>
+            <a:r>
+              <a:rPr lang="en-US" dirty="0" err="1"/>
+              <a:t>entropy_loss.item</a:t>
+            </a:r>
+            <a:r>
+              <a:rPr lang="en-US" dirty="0"/>
+              <a:t>() -2.837226390838623</a:t>
+            </a:r>
+          </a:p>
+          <a:p>
+            <a:r>
+              <a:rPr lang="en-US" dirty="0" err="1"/>
+              <a:t>loss.item</a:t>
+            </a:r>
+            <a:r>
+              <a:rPr lang="en-US" dirty="0"/>
+              <a:t>() 0.1531032770872116 </a:t>
+            </a:r>
+            <a:r>
+              <a:rPr lang="en-US" dirty="0" err="1"/>
+              <a:t>value_loss.item</a:t>
+            </a:r>
+            <a:r>
+              <a:rPr lang="en-US" dirty="0"/>
+              <a:t>() 0.03910915553569794 </a:t>
+            </a:r>
+            <a:r>
+              <a:rPr lang="en-US" dirty="0" err="1"/>
+              <a:t>surr_loss.item</a:t>
+            </a:r>
+            <a:r>
+              <a:rPr lang="en-US" dirty="0"/>
+              <a:t>() 0.16193366050720215 </a:t>
+            </a:r>
+            <a:r>
+              <a:rPr lang="en-US" dirty="0" err="1"/>
+              <a:t>entropy_loss.item</a:t>
+            </a:r>
+            <a:r>
+              <a:rPr lang="en-US" dirty="0"/>
+              <a:t>() -2.8384971618652344</a:t>
+            </a:r>
+          </a:p>
+        </p:txBody>
+      </p:sp>
+    </p:spTree>
+    <p:extLst>
+      <p:ext uri="{BB962C8B-B14F-4D97-AF65-F5344CB8AC3E}">
+        <p14:creationId xmlns:p14="http://schemas.microsoft.com/office/powerpoint/2010/main" val="1860022334"/>
+      </p:ext>
+    </p:extLst>
+  </p:cSld>
+  <p:clrMapOvr>
+    <a:masterClrMapping/>
+  </p:clrMapOvr>
+</p:sld>
+</file>
+
+<file path=ppt/slides/slide12.xml><?xml version="1.0" encoding="utf-8"?>
+<p:sld xmlns:a="http://schemas.openxmlformats.org/drawingml/2006/main" xmlns:r="http://schemas.openxmlformats.org/officeDocument/2006/relationships" xmlns:p="http://schemas.openxmlformats.org/presentationml/2006/main">
+  <p:cSld>
+    <p:spTree>
+      <p:nvGrpSpPr>
+        <p:cNvPr id="1" name="">
+          <a:extLst>
+            <a:ext uri="{FF2B5EF4-FFF2-40B4-BE49-F238E27FC236}">
+              <a16:creationId xmlns:a16="http://schemas.microsoft.com/office/drawing/2014/main" id="{016AEAD3-E05D-66D0-F4E8-02EDD0F0345C}"/>
+            </a:ext>
+          </a:extLst>
+        </p:cNvPr>
+        <p:cNvGrpSpPr/>
+        <p:nvPr/>
+      </p:nvGrpSpPr>
+      <p:grpSpPr>
+        <a:xfrm>
+          <a:off x="0" y="0"/>
+          <a:ext cx="0" cy="0"/>
+          <a:chOff x="0" y="0"/>
+          <a:chExt cx="0" cy="0"/>
+        </a:xfrm>
+      </p:grpSpPr>
+      <p:sp>
+        <p:nvSpPr>
+          <p:cNvPr id="5" name="TextBox 4">
+            <a:extLst>
+              <a:ext uri="{FF2B5EF4-FFF2-40B4-BE49-F238E27FC236}">
+                <a16:creationId xmlns:a16="http://schemas.microsoft.com/office/drawing/2014/main" id="{A8C1FE19-ADBA-DAD3-DBBC-7ED1A69E5448}"/>
+              </a:ext>
+            </a:extLst>
+          </p:cNvPr>
+          <p:cNvSpPr txBox="1"/>
+          <p:nvPr/>
+        </p:nvSpPr>
+        <p:spPr>
+          <a:xfrm>
+            <a:off x="7199586" y="851338"/>
+            <a:ext cx="2758965" cy="369332"/>
+          </a:xfrm>
+          <a:prstGeom prst="rect">
+            <a:avLst/>
+          </a:prstGeom>
+          <a:noFill/>
+        </p:spPr>
+        <p:txBody>
+          <a:bodyPr wrap="square" rtlCol="0">
+            <a:spAutoFit/>
+          </a:bodyPr>
+          <a:lstStyle/>
+          <a:p>
+            <a:r>
+              <a:rPr lang="en-US" altLang="zh-CN" dirty="0"/>
+              <a:t>500</a:t>
+            </a:r>
+            <a:r>
+              <a:rPr lang="zh-CN" altLang="en-US" dirty="0"/>
+              <a:t>条边的图</a:t>
+            </a:r>
+            <a:endParaRPr lang="en-US" dirty="0"/>
+          </a:p>
+        </p:txBody>
+      </p:sp>
+      <p:sp>
+        <p:nvSpPr>
+          <p:cNvPr id="11" name="TextBox 10">
+            <a:extLst>
+              <a:ext uri="{FF2B5EF4-FFF2-40B4-BE49-F238E27FC236}">
+                <a16:creationId xmlns:a16="http://schemas.microsoft.com/office/drawing/2014/main" id="{EE1F36FE-5169-14A9-EFC4-C0ACABD5E8CD}"/>
+              </a:ext>
+            </a:extLst>
+          </p:cNvPr>
+          <p:cNvSpPr txBox="1"/>
+          <p:nvPr/>
+        </p:nvSpPr>
+        <p:spPr>
+          <a:xfrm>
+            <a:off x="404648" y="247416"/>
+            <a:ext cx="2228194" cy="369332"/>
+          </a:xfrm>
+          <a:prstGeom prst="rect">
+            <a:avLst/>
+          </a:prstGeom>
+          <a:noFill/>
+        </p:spPr>
+        <p:txBody>
+          <a:bodyPr wrap="square" rtlCol="0">
+            <a:spAutoFit/>
+          </a:bodyPr>
+          <a:lstStyle/>
+          <a:p>
+            <a:r>
+              <a:rPr lang="en-US" altLang="zh-CN" dirty="0">
+                <a:solidFill>
+                  <a:srgbClr val="FF0000"/>
+                </a:solidFill>
+              </a:rPr>
+              <a:t>Lr</a:t>
+            </a:r>
+            <a:r>
+              <a:rPr lang="zh-CN" altLang="en-US" dirty="0">
+                <a:solidFill>
+                  <a:srgbClr val="FF0000"/>
+                </a:solidFill>
+              </a:rPr>
+              <a:t> </a:t>
+            </a:r>
+            <a:r>
+              <a:rPr lang="en-US" altLang="zh-CN" dirty="0">
+                <a:solidFill>
+                  <a:srgbClr val="FF0000"/>
+                </a:solidFill>
+              </a:rPr>
+              <a:t>=</a:t>
+            </a:r>
+            <a:r>
+              <a:rPr lang="zh-CN" altLang="en-US" dirty="0">
+                <a:solidFill>
+                  <a:srgbClr val="FF0000"/>
+                </a:solidFill>
+              </a:rPr>
+              <a:t> </a:t>
+            </a:r>
+            <a:r>
+              <a:rPr lang="en-US" altLang="zh-CN" dirty="0">
+                <a:solidFill>
+                  <a:srgbClr val="FF0000"/>
+                </a:solidFill>
+              </a:rPr>
+              <a:t>4</a:t>
+            </a:r>
+            <a:r>
+              <a:rPr lang="zh-CN" altLang="en-US" dirty="0">
+                <a:solidFill>
+                  <a:srgbClr val="FF0000"/>
+                </a:solidFill>
+              </a:rPr>
+              <a:t>的时候</a:t>
+            </a:r>
+            <a:endParaRPr lang="en-US" dirty="0">
+              <a:solidFill>
+                <a:srgbClr val="FF0000"/>
+              </a:solidFill>
+            </a:endParaRPr>
+          </a:p>
+        </p:txBody>
+      </p:sp>
+      <p:sp>
+        <p:nvSpPr>
+          <p:cNvPr id="15" name="TextBox 14">
+            <a:extLst>
+              <a:ext uri="{FF2B5EF4-FFF2-40B4-BE49-F238E27FC236}">
+                <a16:creationId xmlns:a16="http://schemas.microsoft.com/office/drawing/2014/main" id="{1BC185DE-BBA7-B751-13E2-02E28C0BE759}"/>
+              </a:ext>
+            </a:extLst>
+          </p:cNvPr>
+          <p:cNvSpPr txBox="1"/>
+          <p:nvPr/>
+        </p:nvSpPr>
+        <p:spPr>
+          <a:xfrm>
+            <a:off x="7065579" y="1867056"/>
+            <a:ext cx="848712" cy="369332"/>
+          </a:xfrm>
+          <a:prstGeom prst="rect">
+            <a:avLst/>
+          </a:prstGeom>
+          <a:noFill/>
+        </p:spPr>
+        <p:txBody>
+          <a:bodyPr wrap="square" rtlCol="0">
+            <a:spAutoFit/>
+          </a:bodyPr>
+          <a:lstStyle/>
+          <a:p>
+            <a:r>
+              <a:rPr lang="en-US" altLang="zh-CN" dirty="0"/>
+              <a:t>0.00x</a:t>
+            </a:r>
+            <a:endParaRPr lang="en-US" dirty="0"/>
+          </a:p>
+        </p:txBody>
+      </p:sp>
+      <p:sp>
+        <p:nvSpPr>
+          <p:cNvPr id="16" name="TextBox 15">
+            <a:extLst>
+              <a:ext uri="{FF2B5EF4-FFF2-40B4-BE49-F238E27FC236}">
+                <a16:creationId xmlns:a16="http://schemas.microsoft.com/office/drawing/2014/main" id="{55EBFA7E-E192-7343-5702-F4A6B73FF997}"/>
+              </a:ext>
+            </a:extLst>
+          </p:cNvPr>
+          <p:cNvSpPr txBox="1"/>
+          <p:nvPr/>
+        </p:nvSpPr>
+        <p:spPr>
+          <a:xfrm>
+            <a:off x="8445061" y="1867056"/>
+            <a:ext cx="2228194" cy="369332"/>
+          </a:xfrm>
+          <a:prstGeom prst="rect">
+            <a:avLst/>
+          </a:prstGeom>
+          <a:noFill/>
+        </p:spPr>
+        <p:txBody>
+          <a:bodyPr wrap="square" rtlCol="0">
+            <a:spAutoFit/>
+          </a:bodyPr>
+          <a:lstStyle/>
+          <a:p>
+            <a:r>
+              <a:rPr lang="en-US" altLang="zh-CN" dirty="0"/>
+              <a:t>X</a:t>
+            </a:r>
+            <a:r>
+              <a:rPr lang="zh-CN" altLang="en-US" dirty="0"/>
+              <a:t> *</a:t>
+            </a:r>
+            <a:r>
+              <a:rPr lang="en-US" altLang="zh-CN" dirty="0"/>
+              <a:t>10</a:t>
+            </a:r>
+            <a:r>
+              <a:rPr lang="zh-CN" altLang="en-US" dirty="0"/>
+              <a:t> 负</a:t>
+            </a:r>
+            <a:r>
+              <a:rPr lang="en-US" altLang="zh-CN" dirty="0"/>
+              <a:t>7</a:t>
+            </a:r>
+            <a:r>
+              <a:rPr lang="zh-CN" altLang="en-US" dirty="0"/>
+              <a:t>次方</a:t>
+            </a:r>
+            <a:endParaRPr lang="en-US" dirty="0"/>
+          </a:p>
+        </p:txBody>
+      </p:sp>
+      <p:sp>
+        <p:nvSpPr>
+          <p:cNvPr id="17" name="TextBox 16">
+            <a:extLst>
+              <a:ext uri="{FF2B5EF4-FFF2-40B4-BE49-F238E27FC236}">
+                <a16:creationId xmlns:a16="http://schemas.microsoft.com/office/drawing/2014/main" id="{28683FA5-5927-787E-FD0E-A14EA4E12C5A}"/>
+              </a:ext>
+            </a:extLst>
+          </p:cNvPr>
+          <p:cNvSpPr txBox="1"/>
+          <p:nvPr/>
+        </p:nvSpPr>
+        <p:spPr>
+          <a:xfrm>
+            <a:off x="6616260" y="3974380"/>
+            <a:ext cx="2228194" cy="369332"/>
+          </a:xfrm>
+          <a:prstGeom prst="rect">
+            <a:avLst/>
+          </a:prstGeom>
+          <a:noFill/>
+        </p:spPr>
+        <p:txBody>
+          <a:bodyPr wrap="square" rtlCol="0">
+            <a:spAutoFit/>
+          </a:bodyPr>
+          <a:lstStyle/>
+          <a:p>
+            <a:r>
+              <a:rPr lang="zh-CN" altLang="en-US" dirty="0"/>
+              <a:t>也变成几十了</a:t>
+            </a:r>
+            <a:endParaRPr lang="en-US" dirty="0"/>
+          </a:p>
+        </p:txBody>
+      </p:sp>
+      <p:sp>
+        <p:nvSpPr>
+          <p:cNvPr id="18" name="TextBox 17">
+            <a:extLst>
+              <a:ext uri="{FF2B5EF4-FFF2-40B4-BE49-F238E27FC236}">
+                <a16:creationId xmlns:a16="http://schemas.microsoft.com/office/drawing/2014/main" id="{C0701F98-053B-B1EB-F43D-C3B5BCB47B4E}"/>
+              </a:ext>
+            </a:extLst>
+          </p:cNvPr>
+          <p:cNvSpPr txBox="1"/>
+          <p:nvPr/>
+        </p:nvSpPr>
+        <p:spPr>
+          <a:xfrm>
+            <a:off x="8844454" y="3995630"/>
+            <a:ext cx="2228194" cy="369332"/>
+          </a:xfrm>
+          <a:prstGeom prst="rect">
+            <a:avLst/>
+          </a:prstGeom>
+          <a:noFill/>
+        </p:spPr>
+        <p:txBody>
+          <a:bodyPr wrap="square" rtlCol="0">
+            <a:spAutoFit/>
+          </a:bodyPr>
+          <a:lstStyle/>
+          <a:p>
+            <a:r>
+              <a:rPr lang="en-US" altLang="zh-CN" dirty="0"/>
+              <a:t>0</a:t>
+            </a:r>
+            <a:r>
+              <a:rPr lang="zh-CN" altLang="en-US" dirty="0"/>
+              <a:t>。或者 几十</a:t>
+            </a:r>
+            <a:endParaRPr lang="en-US" dirty="0"/>
+          </a:p>
+        </p:txBody>
+      </p:sp>
+      <p:sp>
+        <p:nvSpPr>
+          <p:cNvPr id="19" name="TextBox 18">
+            <a:extLst>
+              <a:ext uri="{FF2B5EF4-FFF2-40B4-BE49-F238E27FC236}">
+                <a16:creationId xmlns:a16="http://schemas.microsoft.com/office/drawing/2014/main" id="{82FA6985-AE8F-B882-2DE7-894991A2F8C2}"/>
+              </a:ext>
+            </a:extLst>
+          </p:cNvPr>
+          <p:cNvSpPr txBox="1"/>
+          <p:nvPr/>
+        </p:nvSpPr>
+        <p:spPr>
+          <a:xfrm>
+            <a:off x="6926318" y="1353235"/>
+            <a:ext cx="1114097" cy="369332"/>
+          </a:xfrm>
+          <a:prstGeom prst="rect">
+            <a:avLst/>
+          </a:prstGeom>
+          <a:noFill/>
+        </p:spPr>
+        <p:txBody>
+          <a:bodyPr wrap="square" rtlCol="0">
+            <a:spAutoFit/>
+          </a:bodyPr>
+          <a:lstStyle/>
+          <a:p>
+            <a:r>
+              <a:rPr lang="en-US" altLang="zh-CN" dirty="0"/>
+              <a:t>weight</a:t>
+            </a:r>
+            <a:endParaRPr lang="en-US" dirty="0"/>
+          </a:p>
+        </p:txBody>
+      </p:sp>
+      <p:sp>
+        <p:nvSpPr>
+          <p:cNvPr id="20" name="TextBox 19">
+            <a:extLst>
+              <a:ext uri="{FF2B5EF4-FFF2-40B4-BE49-F238E27FC236}">
+                <a16:creationId xmlns:a16="http://schemas.microsoft.com/office/drawing/2014/main" id="{F925048C-A530-0EB2-547A-86A0E007FE83}"/>
+              </a:ext>
+            </a:extLst>
+          </p:cNvPr>
+          <p:cNvSpPr txBox="1"/>
+          <p:nvPr/>
+        </p:nvSpPr>
+        <p:spPr>
+          <a:xfrm>
+            <a:off x="8445061" y="1353235"/>
+            <a:ext cx="2228194" cy="369332"/>
+          </a:xfrm>
+          <a:prstGeom prst="rect">
+            <a:avLst/>
+          </a:prstGeom>
+          <a:noFill/>
+        </p:spPr>
+        <p:txBody>
+          <a:bodyPr wrap="square" rtlCol="0">
+            <a:spAutoFit/>
+          </a:bodyPr>
+          <a:lstStyle/>
+          <a:p>
+            <a:r>
+              <a:rPr lang="en-US" altLang="zh-CN" dirty="0"/>
+              <a:t>gradient</a:t>
+            </a:r>
+            <a:endParaRPr lang="en-US" dirty="0"/>
+          </a:p>
+        </p:txBody>
+      </p:sp>
+      <p:sp>
+        <p:nvSpPr>
+          <p:cNvPr id="21" name="TextBox 20">
+            <a:extLst>
+              <a:ext uri="{FF2B5EF4-FFF2-40B4-BE49-F238E27FC236}">
+                <a16:creationId xmlns:a16="http://schemas.microsoft.com/office/drawing/2014/main" id="{05DAFE1D-1240-1B3A-8804-848D59134119}"/>
+              </a:ext>
+            </a:extLst>
+          </p:cNvPr>
+          <p:cNvSpPr txBox="1"/>
+          <p:nvPr/>
+        </p:nvSpPr>
+        <p:spPr>
+          <a:xfrm>
+            <a:off x="8579068" y="2441028"/>
+            <a:ext cx="2228194" cy="369332"/>
+          </a:xfrm>
+          <a:prstGeom prst="rect">
+            <a:avLst/>
+          </a:prstGeom>
+          <a:noFill/>
+        </p:spPr>
+        <p:txBody>
+          <a:bodyPr wrap="square" rtlCol="0">
+            <a:spAutoFit/>
+          </a:bodyPr>
+          <a:lstStyle/>
+          <a:p>
+            <a:r>
+              <a:rPr lang="zh-CN" altLang="en-US" b="1" dirty="0">
+                <a:highlight>
+                  <a:srgbClr val="FFFF00"/>
+                </a:highlight>
+              </a:rPr>
+              <a:t>更新了</a:t>
+            </a:r>
+            <a:endParaRPr lang="en-US" b="1" dirty="0">
+              <a:highlight>
+                <a:srgbClr val="FFFF00"/>
+              </a:highlight>
+            </a:endParaRPr>
+          </a:p>
+        </p:txBody>
+      </p:sp>
+      <p:sp>
+        <p:nvSpPr>
+          <p:cNvPr id="2" name="TextBox 1">
+            <a:extLst>
+              <a:ext uri="{FF2B5EF4-FFF2-40B4-BE49-F238E27FC236}">
+                <a16:creationId xmlns:a16="http://schemas.microsoft.com/office/drawing/2014/main" id="{88C1BBB2-BD07-FB09-5252-3D64067D83C5}"/>
+              </a:ext>
+            </a:extLst>
+          </p:cNvPr>
+          <p:cNvSpPr txBox="1"/>
+          <p:nvPr/>
+        </p:nvSpPr>
+        <p:spPr>
+          <a:xfrm>
+            <a:off x="4196256" y="1726976"/>
+            <a:ext cx="2228194" cy="369332"/>
+          </a:xfrm>
+          <a:prstGeom prst="rect">
+            <a:avLst/>
+          </a:prstGeom>
+          <a:noFill/>
+        </p:spPr>
+        <p:txBody>
+          <a:bodyPr wrap="square" rtlCol="0">
+            <a:spAutoFit/>
+          </a:bodyPr>
+          <a:lstStyle/>
+          <a:p>
+            <a:r>
+              <a:rPr lang="en-SG" altLang="zh-CN" dirty="0"/>
+              <a:t>Actor</a:t>
+            </a:r>
+            <a:r>
+              <a:rPr lang="zh-CN" altLang="en-US" dirty="0"/>
+              <a:t> 网络（</a:t>
+            </a:r>
+            <a:r>
+              <a:rPr lang="en-US" altLang="zh-CN" dirty="0"/>
+              <a:t>policy</a:t>
+            </a:r>
+            <a:r>
+              <a:rPr lang="zh-CN" altLang="en-US" dirty="0"/>
+              <a:t>）</a:t>
+            </a:r>
+            <a:endParaRPr lang="en-US" dirty="0"/>
+          </a:p>
+        </p:txBody>
+      </p:sp>
+      <p:sp>
+        <p:nvSpPr>
+          <p:cNvPr id="3" name="TextBox 2">
+            <a:extLst>
+              <a:ext uri="{FF2B5EF4-FFF2-40B4-BE49-F238E27FC236}">
+                <a16:creationId xmlns:a16="http://schemas.microsoft.com/office/drawing/2014/main" id="{860AA77F-0465-E91C-B83E-54D0F4D781C7}"/>
+              </a:ext>
+            </a:extLst>
+          </p:cNvPr>
+          <p:cNvSpPr txBox="1"/>
+          <p:nvPr/>
+        </p:nvSpPr>
+        <p:spPr>
+          <a:xfrm>
+            <a:off x="4196256" y="3834300"/>
+            <a:ext cx="2758965" cy="369332"/>
+          </a:xfrm>
+          <a:prstGeom prst="rect">
+            <a:avLst/>
+          </a:prstGeom>
+          <a:noFill/>
+        </p:spPr>
+        <p:txBody>
+          <a:bodyPr wrap="square" rtlCol="0">
+            <a:spAutoFit/>
+          </a:bodyPr>
+          <a:lstStyle/>
+          <a:p>
+            <a:r>
+              <a:rPr lang="en-SG" altLang="zh-CN" dirty="0"/>
+              <a:t>critic</a:t>
+            </a:r>
+            <a:r>
+              <a:rPr lang="zh-CN" altLang="en-US" dirty="0"/>
+              <a:t> 网络（</a:t>
+            </a:r>
+            <a:r>
+              <a:rPr lang="en-US" altLang="zh-CN" dirty="0"/>
+              <a:t>value</a:t>
+            </a:r>
+            <a:r>
+              <a:rPr lang="zh-CN" altLang="en-US" dirty="0"/>
+              <a:t>）</a:t>
+            </a:r>
+            <a:endParaRPr lang="en-US" dirty="0"/>
+          </a:p>
+        </p:txBody>
+      </p:sp>
+    </p:spTree>
+    <p:extLst>
+      <p:ext uri="{BB962C8B-B14F-4D97-AF65-F5344CB8AC3E}">
+        <p14:creationId xmlns:p14="http://schemas.microsoft.com/office/powerpoint/2010/main" val="3379980364"/>
+      </p:ext>
+    </p:extLst>
+  </p:cSld>
+  <p:clrMapOvr>
+    <a:masterClrMapping/>
+  </p:clrMapOvr>
+</p:sld>
+</file>
+
+<file path=ppt/slides/slide13.xml><?xml version="1.0" encoding="utf-8"?>
+<p:sld xmlns:a="http://schemas.openxmlformats.org/drawingml/2006/main" xmlns:r="http://schemas.openxmlformats.org/officeDocument/2006/relationships" xmlns:p="http://schemas.openxmlformats.org/presentationml/2006/main">
+  <p:cSld>
+    <p:spTree>
+      <p:nvGrpSpPr>
+        <p:cNvPr id="1" name=""/>
+        <p:cNvGrpSpPr/>
+        <p:nvPr/>
+      </p:nvGrpSpPr>
+      <p:grpSpPr>
+        <a:xfrm>
+          <a:off x="0" y="0"/>
+          <a:ext cx="0" cy="0"/>
+          <a:chOff x="0" y="0"/>
+          <a:chExt cx="0" cy="0"/>
+        </a:xfrm>
+      </p:grpSpPr>
+      <p:sp>
+        <p:nvSpPr>
+          <p:cNvPr id="4" name="TextBox 3">
+            <a:extLst>
+              <a:ext uri="{FF2B5EF4-FFF2-40B4-BE49-F238E27FC236}">
+                <a16:creationId xmlns:a16="http://schemas.microsoft.com/office/drawing/2014/main" id="{7F5E0EF8-804A-F309-7689-451A25990B00}"/>
+              </a:ext>
+            </a:extLst>
+          </p:cNvPr>
+          <p:cNvSpPr txBox="1"/>
+          <p:nvPr/>
+        </p:nvSpPr>
+        <p:spPr>
+          <a:xfrm>
+            <a:off x="2743200" y="851338"/>
+            <a:ext cx="2758965" cy="369332"/>
+          </a:xfrm>
+          <a:prstGeom prst="rect">
+            <a:avLst/>
+          </a:prstGeom>
+          <a:noFill/>
+        </p:spPr>
+        <p:txBody>
+          <a:bodyPr wrap="square" rtlCol="0">
+            <a:spAutoFit/>
+          </a:bodyPr>
+          <a:lstStyle/>
+          <a:p>
+            <a:r>
+              <a:rPr lang="en-US" altLang="zh-CN" dirty="0"/>
+              <a:t>250</a:t>
+            </a:r>
+            <a:r>
+              <a:rPr lang="zh-CN" altLang="en-US" dirty="0"/>
+              <a:t>条边的图</a:t>
+            </a:r>
+            <a:endParaRPr lang="en-US" dirty="0"/>
+          </a:p>
+        </p:txBody>
+      </p:sp>
+      <p:sp>
+        <p:nvSpPr>
+          <p:cNvPr id="5" name="TextBox 4">
+            <a:extLst>
+              <a:ext uri="{FF2B5EF4-FFF2-40B4-BE49-F238E27FC236}">
+                <a16:creationId xmlns:a16="http://schemas.microsoft.com/office/drawing/2014/main" id="{12A003FF-0E7A-38E4-6A57-72E908CE604C}"/>
+              </a:ext>
+            </a:extLst>
+          </p:cNvPr>
+          <p:cNvSpPr txBox="1"/>
+          <p:nvPr/>
+        </p:nvSpPr>
+        <p:spPr>
+          <a:xfrm>
+            <a:off x="7199586" y="851338"/>
+            <a:ext cx="2758965" cy="369332"/>
+          </a:xfrm>
+          <a:prstGeom prst="rect">
+            <a:avLst/>
+          </a:prstGeom>
+          <a:noFill/>
+        </p:spPr>
+        <p:txBody>
+          <a:bodyPr wrap="square" rtlCol="0">
+            <a:spAutoFit/>
+          </a:bodyPr>
+          <a:lstStyle/>
+          <a:p>
+            <a:r>
+              <a:rPr lang="en-US" altLang="zh-CN" dirty="0"/>
+              <a:t>500</a:t>
+            </a:r>
+            <a:r>
+              <a:rPr lang="zh-CN" altLang="en-US" dirty="0"/>
+              <a:t>条边的图</a:t>
+            </a:r>
+            <a:endParaRPr lang="en-US" dirty="0"/>
+          </a:p>
+        </p:txBody>
+      </p:sp>
+      <p:sp>
+        <p:nvSpPr>
+          <p:cNvPr id="6" name="TextBox 5">
+            <a:extLst>
+              <a:ext uri="{FF2B5EF4-FFF2-40B4-BE49-F238E27FC236}">
+                <a16:creationId xmlns:a16="http://schemas.microsoft.com/office/drawing/2014/main" id="{EEBD49ED-2A0F-7FED-603C-A052FE1764F1}"/>
+              </a:ext>
+            </a:extLst>
+          </p:cNvPr>
+          <p:cNvSpPr txBox="1"/>
+          <p:nvPr/>
+        </p:nvSpPr>
+        <p:spPr>
+          <a:xfrm>
+            <a:off x="404648" y="1855076"/>
+            <a:ext cx="2228194" cy="369332"/>
+          </a:xfrm>
+          <a:prstGeom prst="rect">
+            <a:avLst/>
+          </a:prstGeom>
+          <a:noFill/>
+        </p:spPr>
+        <p:txBody>
+          <a:bodyPr wrap="square" rtlCol="0">
+            <a:spAutoFit/>
+          </a:bodyPr>
+          <a:lstStyle/>
+          <a:p>
+            <a:r>
+              <a:rPr lang="en-SG" altLang="zh-CN" dirty="0"/>
+              <a:t>Actor</a:t>
+            </a:r>
+            <a:r>
+              <a:rPr lang="zh-CN" altLang="en-US" dirty="0"/>
+              <a:t> 网络（</a:t>
+            </a:r>
+            <a:r>
+              <a:rPr lang="en-US" altLang="zh-CN" dirty="0"/>
+              <a:t>policy</a:t>
+            </a:r>
+            <a:r>
+              <a:rPr lang="zh-CN" altLang="en-US" dirty="0"/>
+              <a:t>）</a:t>
+            </a:r>
+            <a:endParaRPr lang="en-US" dirty="0"/>
+          </a:p>
+        </p:txBody>
+      </p:sp>
+      <p:sp>
+        <p:nvSpPr>
+          <p:cNvPr id="7" name="TextBox 6">
+            <a:extLst>
+              <a:ext uri="{FF2B5EF4-FFF2-40B4-BE49-F238E27FC236}">
+                <a16:creationId xmlns:a16="http://schemas.microsoft.com/office/drawing/2014/main" id="{2FB4029D-0BF6-AF8B-091B-6DB91DD7D60C}"/>
+              </a:ext>
+            </a:extLst>
+          </p:cNvPr>
+          <p:cNvSpPr txBox="1"/>
+          <p:nvPr/>
+        </p:nvSpPr>
+        <p:spPr>
+          <a:xfrm>
+            <a:off x="404648" y="3962400"/>
+            <a:ext cx="2758965" cy="369332"/>
+          </a:xfrm>
+          <a:prstGeom prst="rect">
+            <a:avLst/>
+          </a:prstGeom>
+          <a:noFill/>
+        </p:spPr>
+        <p:txBody>
+          <a:bodyPr wrap="square" rtlCol="0">
+            <a:spAutoFit/>
+          </a:bodyPr>
+          <a:lstStyle/>
+          <a:p>
+            <a:r>
+              <a:rPr lang="en-SG" altLang="zh-CN" dirty="0"/>
+              <a:t>critic</a:t>
+            </a:r>
+            <a:r>
+              <a:rPr lang="zh-CN" altLang="en-US" dirty="0"/>
+              <a:t> 网络（</a:t>
+            </a:r>
+            <a:r>
+              <a:rPr lang="en-US" altLang="zh-CN" dirty="0"/>
+              <a:t>value</a:t>
+            </a:r>
+            <a:r>
+              <a:rPr lang="zh-CN" altLang="en-US" dirty="0"/>
+              <a:t>）</a:t>
+            </a:r>
+            <a:endParaRPr lang="en-US" dirty="0"/>
+          </a:p>
+        </p:txBody>
+      </p:sp>
+      <p:sp>
+        <p:nvSpPr>
+          <p:cNvPr id="8" name="TextBox 7">
+            <a:extLst>
+              <a:ext uri="{FF2B5EF4-FFF2-40B4-BE49-F238E27FC236}">
+                <a16:creationId xmlns:a16="http://schemas.microsoft.com/office/drawing/2014/main" id="{43A367D1-5131-24EF-F729-7E6BDB052F64}"/>
+              </a:ext>
+            </a:extLst>
+          </p:cNvPr>
+          <p:cNvSpPr txBox="1"/>
+          <p:nvPr/>
+        </p:nvSpPr>
+        <p:spPr>
+          <a:xfrm>
+            <a:off x="2743200" y="1855076"/>
+            <a:ext cx="848712" cy="369332"/>
+          </a:xfrm>
+          <a:prstGeom prst="rect">
+            <a:avLst/>
+          </a:prstGeom>
+          <a:noFill/>
+        </p:spPr>
+        <p:txBody>
+          <a:bodyPr wrap="square" rtlCol="0">
+            <a:spAutoFit/>
+          </a:bodyPr>
+          <a:lstStyle/>
+          <a:p>
+            <a:r>
+              <a:rPr lang="en-US" altLang="zh-CN" dirty="0"/>
+              <a:t>0.00x</a:t>
+            </a:r>
+            <a:endParaRPr lang="en-US" dirty="0"/>
+          </a:p>
+        </p:txBody>
+      </p:sp>
+      <p:sp>
+        <p:nvSpPr>
+          <p:cNvPr id="9" name="TextBox 8">
+            <a:extLst>
+              <a:ext uri="{FF2B5EF4-FFF2-40B4-BE49-F238E27FC236}">
+                <a16:creationId xmlns:a16="http://schemas.microsoft.com/office/drawing/2014/main" id="{927782F8-005E-9A2C-A862-95D5343212DD}"/>
+              </a:ext>
+            </a:extLst>
+          </p:cNvPr>
+          <p:cNvSpPr txBox="1"/>
+          <p:nvPr/>
+        </p:nvSpPr>
+        <p:spPr>
+          <a:xfrm>
+            <a:off x="2743199" y="1485744"/>
+            <a:ext cx="1114097" cy="369332"/>
+          </a:xfrm>
+          <a:prstGeom prst="rect">
+            <a:avLst/>
+          </a:prstGeom>
+          <a:noFill/>
+        </p:spPr>
+        <p:txBody>
+          <a:bodyPr wrap="square" rtlCol="0">
+            <a:spAutoFit/>
+          </a:bodyPr>
+          <a:lstStyle/>
+          <a:p>
+            <a:r>
+              <a:rPr lang="en-US" altLang="zh-CN" dirty="0"/>
+              <a:t>weight</a:t>
+            </a:r>
+            <a:endParaRPr lang="en-US" dirty="0"/>
+          </a:p>
+        </p:txBody>
+      </p:sp>
+      <p:sp>
+        <p:nvSpPr>
+          <p:cNvPr id="10" name="TextBox 9">
+            <a:extLst>
+              <a:ext uri="{FF2B5EF4-FFF2-40B4-BE49-F238E27FC236}">
+                <a16:creationId xmlns:a16="http://schemas.microsoft.com/office/drawing/2014/main" id="{81119A4E-CCB4-981D-AC38-3FF4D34F7737}"/>
+              </a:ext>
+            </a:extLst>
+          </p:cNvPr>
+          <p:cNvSpPr txBox="1"/>
+          <p:nvPr/>
+        </p:nvSpPr>
+        <p:spPr>
+          <a:xfrm>
+            <a:off x="3857297" y="1485744"/>
+            <a:ext cx="2228194" cy="369332"/>
+          </a:xfrm>
+          <a:prstGeom prst="rect">
+            <a:avLst/>
+          </a:prstGeom>
+          <a:noFill/>
+        </p:spPr>
+        <p:txBody>
+          <a:bodyPr wrap="square" rtlCol="0">
+            <a:spAutoFit/>
+          </a:bodyPr>
+          <a:lstStyle/>
+          <a:p>
+            <a:r>
+              <a:rPr lang="en-US" altLang="zh-CN" dirty="0"/>
+              <a:t>gradient</a:t>
+            </a:r>
+            <a:endParaRPr lang="en-US" dirty="0"/>
+          </a:p>
+        </p:txBody>
+      </p:sp>
+      <p:sp>
+        <p:nvSpPr>
+          <p:cNvPr id="11" name="TextBox 10">
+            <a:extLst>
+              <a:ext uri="{FF2B5EF4-FFF2-40B4-BE49-F238E27FC236}">
+                <a16:creationId xmlns:a16="http://schemas.microsoft.com/office/drawing/2014/main" id="{6456A451-8330-7BE5-AA7D-DDE61B9B0934}"/>
+              </a:ext>
+            </a:extLst>
+          </p:cNvPr>
+          <p:cNvSpPr txBox="1"/>
+          <p:nvPr/>
+        </p:nvSpPr>
+        <p:spPr>
+          <a:xfrm>
+            <a:off x="404648" y="247416"/>
+            <a:ext cx="2228194" cy="369332"/>
+          </a:xfrm>
+          <a:prstGeom prst="rect">
+            <a:avLst/>
+          </a:prstGeom>
+          <a:noFill/>
+        </p:spPr>
+        <p:txBody>
+          <a:bodyPr wrap="square" rtlCol="0">
+            <a:spAutoFit/>
+          </a:bodyPr>
+          <a:lstStyle/>
+          <a:p>
+            <a:r>
+              <a:rPr lang="en-US" altLang="zh-CN" dirty="0">
+                <a:solidFill>
+                  <a:srgbClr val="FF0000"/>
+                </a:solidFill>
+              </a:rPr>
+              <a:t>Lr</a:t>
+            </a:r>
+            <a:r>
+              <a:rPr lang="zh-CN" altLang="en-US" dirty="0">
+                <a:solidFill>
+                  <a:srgbClr val="FF0000"/>
+                </a:solidFill>
+              </a:rPr>
+              <a:t> </a:t>
+            </a:r>
+            <a:r>
+              <a:rPr lang="en-US" altLang="zh-CN" dirty="0">
+                <a:solidFill>
+                  <a:srgbClr val="FF0000"/>
+                </a:solidFill>
+              </a:rPr>
+              <a:t>=</a:t>
+            </a:r>
+            <a:r>
+              <a:rPr lang="zh-CN" altLang="en-US" dirty="0">
+                <a:solidFill>
+                  <a:srgbClr val="FF0000"/>
+                </a:solidFill>
+              </a:rPr>
+              <a:t> </a:t>
+            </a:r>
+            <a:r>
+              <a:rPr lang="en-US" altLang="zh-CN" dirty="0">
+                <a:solidFill>
+                  <a:srgbClr val="FF0000"/>
+                </a:solidFill>
+              </a:rPr>
+              <a:t>0.004</a:t>
+            </a:r>
+            <a:r>
+              <a:rPr lang="zh-CN" altLang="en-US" dirty="0">
+                <a:solidFill>
+                  <a:srgbClr val="FF0000"/>
+                </a:solidFill>
+              </a:rPr>
+              <a:t>的时候</a:t>
+            </a:r>
+            <a:endParaRPr lang="en-US" dirty="0">
+              <a:solidFill>
+                <a:srgbClr val="FF0000"/>
+              </a:solidFill>
+            </a:endParaRPr>
+          </a:p>
+        </p:txBody>
+      </p:sp>
+      <p:sp>
+        <p:nvSpPr>
+          <p:cNvPr id="12" name="TextBox 11">
+            <a:extLst>
+              <a:ext uri="{FF2B5EF4-FFF2-40B4-BE49-F238E27FC236}">
+                <a16:creationId xmlns:a16="http://schemas.microsoft.com/office/drawing/2014/main" id="{4D427AC6-49C5-C18B-9261-92D0C54E8742}"/>
+              </a:ext>
+            </a:extLst>
+          </p:cNvPr>
+          <p:cNvSpPr txBox="1"/>
+          <p:nvPr/>
+        </p:nvSpPr>
+        <p:spPr>
+          <a:xfrm>
+            <a:off x="4122682" y="1855076"/>
+            <a:ext cx="2228194" cy="369332"/>
+          </a:xfrm>
+          <a:prstGeom prst="rect">
+            <a:avLst/>
+          </a:prstGeom>
+          <a:noFill/>
+        </p:spPr>
+        <p:txBody>
+          <a:bodyPr wrap="square" rtlCol="0">
+            <a:spAutoFit/>
+          </a:bodyPr>
+          <a:lstStyle/>
+          <a:p>
+            <a:r>
+              <a:rPr lang="en-US" altLang="zh-CN" dirty="0"/>
+              <a:t>0.00x</a:t>
+            </a:r>
+            <a:endParaRPr lang="en-US" dirty="0"/>
+          </a:p>
+        </p:txBody>
+      </p:sp>
+      <p:sp>
+        <p:nvSpPr>
+          <p:cNvPr id="13" name="TextBox 12">
+            <a:extLst>
+              <a:ext uri="{FF2B5EF4-FFF2-40B4-BE49-F238E27FC236}">
+                <a16:creationId xmlns:a16="http://schemas.microsoft.com/office/drawing/2014/main" id="{0FB5D836-6021-F724-5B4B-556719994F48}"/>
+              </a:ext>
+            </a:extLst>
+          </p:cNvPr>
+          <p:cNvSpPr txBox="1"/>
+          <p:nvPr/>
+        </p:nvSpPr>
+        <p:spPr>
+          <a:xfrm>
+            <a:off x="2632842" y="3962400"/>
+            <a:ext cx="2228194" cy="369332"/>
+          </a:xfrm>
+          <a:prstGeom prst="rect">
+            <a:avLst/>
+          </a:prstGeom>
+          <a:noFill/>
+        </p:spPr>
+        <p:txBody>
+          <a:bodyPr wrap="square" rtlCol="0">
+            <a:spAutoFit/>
+          </a:bodyPr>
+          <a:lstStyle/>
+          <a:p>
+            <a:r>
+              <a:rPr lang="en-US" altLang="zh-CN" dirty="0"/>
+              <a:t>0.00x</a:t>
+            </a:r>
+            <a:endParaRPr lang="en-US" dirty="0"/>
+          </a:p>
+        </p:txBody>
+      </p:sp>
+      <p:sp>
+        <p:nvSpPr>
+          <p:cNvPr id="14" name="TextBox 13">
+            <a:extLst>
+              <a:ext uri="{FF2B5EF4-FFF2-40B4-BE49-F238E27FC236}">
+                <a16:creationId xmlns:a16="http://schemas.microsoft.com/office/drawing/2014/main" id="{91680B81-7807-8622-E6B0-5AF806D21E30}"/>
+              </a:ext>
+            </a:extLst>
+          </p:cNvPr>
+          <p:cNvSpPr txBox="1"/>
+          <p:nvPr/>
+        </p:nvSpPr>
+        <p:spPr>
+          <a:xfrm>
+            <a:off x="4012324" y="3962400"/>
+            <a:ext cx="2228194" cy="369332"/>
+          </a:xfrm>
+          <a:prstGeom prst="rect">
+            <a:avLst/>
+          </a:prstGeom>
+          <a:noFill/>
+        </p:spPr>
+        <p:txBody>
+          <a:bodyPr wrap="square" rtlCol="0">
+            <a:spAutoFit/>
+          </a:bodyPr>
+          <a:lstStyle/>
+          <a:p>
+            <a:r>
+              <a:rPr lang="en-US" altLang="zh-CN" dirty="0"/>
+              <a:t>0.00x</a:t>
+            </a:r>
+            <a:endParaRPr lang="en-US" dirty="0"/>
+          </a:p>
+        </p:txBody>
+      </p:sp>
+      <p:sp>
+        <p:nvSpPr>
+          <p:cNvPr id="15" name="TextBox 14">
+            <a:extLst>
+              <a:ext uri="{FF2B5EF4-FFF2-40B4-BE49-F238E27FC236}">
+                <a16:creationId xmlns:a16="http://schemas.microsoft.com/office/drawing/2014/main" id="{94D7DA50-4A7A-6831-6F02-94EA87D3ACFF}"/>
+              </a:ext>
+            </a:extLst>
+          </p:cNvPr>
+          <p:cNvSpPr txBox="1"/>
+          <p:nvPr/>
+        </p:nvSpPr>
+        <p:spPr>
+          <a:xfrm>
+            <a:off x="7065579" y="1867056"/>
+            <a:ext cx="848712" cy="369332"/>
+          </a:xfrm>
+          <a:prstGeom prst="rect">
+            <a:avLst/>
+          </a:prstGeom>
+          <a:noFill/>
+        </p:spPr>
+        <p:txBody>
+          <a:bodyPr wrap="square" rtlCol="0">
+            <a:spAutoFit/>
+          </a:bodyPr>
+          <a:lstStyle/>
+          <a:p>
+            <a:r>
+              <a:rPr lang="en-US" altLang="zh-CN" dirty="0"/>
+              <a:t>0.00x</a:t>
+            </a:r>
+            <a:endParaRPr lang="en-US" dirty="0"/>
+          </a:p>
+        </p:txBody>
+      </p:sp>
+      <p:sp>
+        <p:nvSpPr>
+          <p:cNvPr id="17" name="TextBox 16">
+            <a:extLst>
+              <a:ext uri="{FF2B5EF4-FFF2-40B4-BE49-F238E27FC236}">
+                <a16:creationId xmlns:a16="http://schemas.microsoft.com/office/drawing/2014/main" id="{2CF39F63-C489-C8D8-8D50-D2285CA980F7}"/>
+              </a:ext>
+            </a:extLst>
+          </p:cNvPr>
+          <p:cNvSpPr txBox="1"/>
+          <p:nvPr/>
+        </p:nvSpPr>
+        <p:spPr>
+          <a:xfrm>
+            <a:off x="6955221" y="3974380"/>
+            <a:ext cx="2228194" cy="369332"/>
+          </a:xfrm>
+          <a:prstGeom prst="rect">
+            <a:avLst/>
+          </a:prstGeom>
+          <a:noFill/>
+        </p:spPr>
+        <p:txBody>
+          <a:bodyPr wrap="square" rtlCol="0">
+            <a:spAutoFit/>
+          </a:bodyPr>
+          <a:lstStyle/>
+          <a:p>
+            <a:r>
+              <a:rPr lang="en-US" altLang="zh-CN" dirty="0"/>
+              <a:t>0.00x</a:t>
+            </a:r>
+            <a:endParaRPr lang="en-US" dirty="0"/>
+          </a:p>
+        </p:txBody>
+      </p:sp>
+      <p:sp>
+        <p:nvSpPr>
+          <p:cNvPr id="18" name="TextBox 17">
+            <a:extLst>
+              <a:ext uri="{FF2B5EF4-FFF2-40B4-BE49-F238E27FC236}">
+                <a16:creationId xmlns:a16="http://schemas.microsoft.com/office/drawing/2014/main" id="{2A7567A4-FAC5-043C-61B8-138BCF1D0449}"/>
+              </a:ext>
+            </a:extLst>
+          </p:cNvPr>
+          <p:cNvSpPr txBox="1"/>
+          <p:nvPr/>
+        </p:nvSpPr>
+        <p:spPr>
+          <a:xfrm>
+            <a:off x="8445061" y="3962400"/>
+            <a:ext cx="2228194" cy="369332"/>
+          </a:xfrm>
+          <a:prstGeom prst="rect">
+            <a:avLst/>
+          </a:prstGeom>
+          <a:noFill/>
+        </p:spPr>
+        <p:txBody>
+          <a:bodyPr wrap="square" rtlCol="0">
+            <a:spAutoFit/>
+          </a:bodyPr>
+          <a:lstStyle/>
+          <a:p>
+            <a:r>
+              <a:rPr lang="en-US" altLang="zh-CN" dirty="0"/>
+              <a:t>0.00x</a:t>
+            </a:r>
+            <a:endParaRPr lang="en-US" dirty="0"/>
+          </a:p>
+        </p:txBody>
+      </p:sp>
+      <p:sp>
+        <p:nvSpPr>
+          <p:cNvPr id="19" name="TextBox 18">
+            <a:extLst>
+              <a:ext uri="{FF2B5EF4-FFF2-40B4-BE49-F238E27FC236}">
+                <a16:creationId xmlns:a16="http://schemas.microsoft.com/office/drawing/2014/main" id="{FA86C8ED-2191-6445-FAD0-AD83CB339749}"/>
+              </a:ext>
+            </a:extLst>
+          </p:cNvPr>
+          <p:cNvSpPr txBox="1"/>
+          <p:nvPr/>
+        </p:nvSpPr>
+        <p:spPr>
+          <a:xfrm>
+            <a:off x="6926318" y="1353235"/>
+            <a:ext cx="1114097" cy="369332"/>
+          </a:xfrm>
+          <a:prstGeom prst="rect">
+            <a:avLst/>
+          </a:prstGeom>
+          <a:noFill/>
+        </p:spPr>
+        <p:txBody>
+          <a:bodyPr wrap="square" rtlCol="0">
+            <a:spAutoFit/>
+          </a:bodyPr>
+          <a:lstStyle/>
+          <a:p>
+            <a:r>
+              <a:rPr lang="en-US" altLang="zh-CN" dirty="0"/>
+              <a:t>weight</a:t>
+            </a:r>
+            <a:endParaRPr lang="en-US" dirty="0"/>
+          </a:p>
+        </p:txBody>
+      </p:sp>
+      <p:sp>
+        <p:nvSpPr>
+          <p:cNvPr id="20" name="TextBox 19">
+            <a:extLst>
+              <a:ext uri="{FF2B5EF4-FFF2-40B4-BE49-F238E27FC236}">
+                <a16:creationId xmlns:a16="http://schemas.microsoft.com/office/drawing/2014/main" id="{DCE00978-C84F-E53E-D57D-E90F72ABF9F7}"/>
+              </a:ext>
+            </a:extLst>
+          </p:cNvPr>
+          <p:cNvSpPr txBox="1"/>
+          <p:nvPr/>
+        </p:nvSpPr>
+        <p:spPr>
+          <a:xfrm>
+            <a:off x="8445061" y="1353235"/>
+            <a:ext cx="2228194" cy="369332"/>
+          </a:xfrm>
+          <a:prstGeom prst="rect">
+            <a:avLst/>
+          </a:prstGeom>
+          <a:noFill/>
+        </p:spPr>
+        <p:txBody>
+          <a:bodyPr wrap="square" rtlCol="0">
+            <a:spAutoFit/>
+          </a:bodyPr>
+          <a:lstStyle/>
+          <a:p>
+            <a:r>
+              <a:rPr lang="en-US" altLang="zh-CN" dirty="0"/>
+              <a:t>gradient</a:t>
+            </a:r>
+            <a:endParaRPr lang="en-US" dirty="0"/>
+          </a:p>
+        </p:txBody>
+      </p:sp>
+      <p:sp>
+        <p:nvSpPr>
+          <p:cNvPr id="21" name="TextBox 20">
+            <a:extLst>
+              <a:ext uri="{FF2B5EF4-FFF2-40B4-BE49-F238E27FC236}">
+                <a16:creationId xmlns:a16="http://schemas.microsoft.com/office/drawing/2014/main" id="{8B5A2B3F-DA23-EF1B-47DD-097C52D05737}"/>
+              </a:ext>
+            </a:extLst>
+          </p:cNvPr>
+          <p:cNvSpPr txBox="1"/>
+          <p:nvPr/>
+        </p:nvSpPr>
+        <p:spPr>
+          <a:xfrm>
+            <a:off x="8579068" y="2441028"/>
+            <a:ext cx="2228194" cy="369332"/>
+          </a:xfrm>
+          <a:prstGeom prst="rect">
+            <a:avLst/>
+          </a:prstGeom>
+          <a:noFill/>
+        </p:spPr>
+        <p:txBody>
+          <a:bodyPr wrap="square" rtlCol="0">
+            <a:spAutoFit/>
+          </a:bodyPr>
+          <a:lstStyle/>
+          <a:p>
+            <a:r>
+              <a:rPr lang="zh-CN" altLang="en-US" b="1" dirty="0">
+                <a:highlight>
+                  <a:srgbClr val="FFFF00"/>
+                </a:highlight>
+              </a:rPr>
+              <a:t>太小 </a:t>
+            </a:r>
+            <a:r>
+              <a:rPr lang="zh-CN" altLang="en-SG" b="1" dirty="0">
+                <a:highlight>
+                  <a:srgbClr val="FFFF00"/>
+                </a:highlight>
+              </a:rPr>
+              <a:t>所以</a:t>
+            </a:r>
+            <a:r>
+              <a:rPr lang="zh-CN" altLang="en-US" b="1" dirty="0">
+                <a:highlight>
+                  <a:srgbClr val="FFFF00"/>
+                </a:highlight>
+              </a:rPr>
+              <a:t>不更新了</a:t>
+            </a:r>
+            <a:endParaRPr lang="en-US" b="1" dirty="0">
+              <a:highlight>
+                <a:srgbClr val="FFFF00"/>
+              </a:highlight>
+            </a:endParaRPr>
+          </a:p>
+        </p:txBody>
+      </p:sp>
+      <p:sp>
+        <p:nvSpPr>
+          <p:cNvPr id="22" name="TextBox 21">
+            <a:extLst>
+              <a:ext uri="{FF2B5EF4-FFF2-40B4-BE49-F238E27FC236}">
+                <a16:creationId xmlns:a16="http://schemas.microsoft.com/office/drawing/2014/main" id="{E2235781-D56D-A761-04BB-C4B5D446BDB9}"/>
+              </a:ext>
+            </a:extLst>
+          </p:cNvPr>
+          <p:cNvSpPr txBox="1"/>
+          <p:nvPr/>
+        </p:nvSpPr>
+        <p:spPr>
+          <a:xfrm>
+            <a:off x="8445061" y="1867056"/>
+            <a:ext cx="2228194" cy="369332"/>
+          </a:xfrm>
+          <a:prstGeom prst="rect">
+            <a:avLst/>
+          </a:prstGeom>
+          <a:noFill/>
+        </p:spPr>
+        <p:txBody>
+          <a:bodyPr wrap="square" rtlCol="0">
+            <a:spAutoFit/>
+          </a:bodyPr>
+          <a:lstStyle/>
+          <a:p>
+            <a:r>
+              <a:rPr lang="en-US" altLang="zh-CN" dirty="0"/>
+              <a:t>X</a:t>
+            </a:r>
+            <a:r>
+              <a:rPr lang="zh-CN" altLang="en-US" dirty="0"/>
+              <a:t> *</a:t>
+            </a:r>
+            <a:r>
+              <a:rPr lang="en-US" altLang="zh-CN" dirty="0"/>
+              <a:t>10</a:t>
+            </a:r>
+            <a:r>
+              <a:rPr lang="zh-CN" altLang="en-US" dirty="0"/>
+              <a:t> 负</a:t>
+            </a:r>
+            <a:r>
+              <a:rPr lang="en-US" altLang="zh-CN" dirty="0"/>
+              <a:t>8</a:t>
+            </a:r>
+            <a:r>
+              <a:rPr lang="zh-CN" altLang="en-US" dirty="0"/>
+              <a:t>，负</a:t>
+            </a:r>
+            <a:r>
+              <a:rPr lang="en-US" altLang="zh-CN" dirty="0"/>
+              <a:t>9</a:t>
+            </a:r>
+            <a:r>
+              <a:rPr lang="zh-CN" altLang="en-US" dirty="0"/>
+              <a:t>次方</a:t>
+            </a:r>
+            <a:endParaRPr lang="en-US" dirty="0"/>
+          </a:p>
+        </p:txBody>
+      </p:sp>
+    </p:spTree>
+    <p:extLst>
+      <p:ext uri="{BB962C8B-B14F-4D97-AF65-F5344CB8AC3E}">
+        <p14:creationId xmlns:p14="http://schemas.microsoft.com/office/powerpoint/2010/main" val="4144482346"/>
+      </p:ext>
+    </p:extLst>
+  </p:cSld>
+  <p:clrMapOvr>
+    <a:masterClrMapping/>
+  </p:clrMapOvr>
+</p:sld>
+</file>
+
+<file path=ppt/slides/slide14.xml><?xml version="1.0" encoding="utf-8"?>
+<p:sld xmlns:a="http://schemas.openxmlformats.org/drawingml/2006/main" xmlns:r="http://schemas.openxmlformats.org/officeDocument/2006/relationships" xmlns:p="http://schemas.openxmlformats.org/presentationml/2006/main">
+  <p:cSld>
+    <p:spTree>
+      <p:nvGrpSpPr>
+        <p:cNvPr id="1" name=""/>
+        <p:cNvGrpSpPr/>
+        <p:nvPr/>
+      </p:nvGrpSpPr>
+      <p:grpSpPr>
+        <a:xfrm>
+          <a:off x="0" y="0"/>
+          <a:ext cx="0" cy="0"/>
+          <a:chOff x="0" y="0"/>
+          <a:chExt cx="0" cy="0"/>
+        </a:xfrm>
+      </p:grpSpPr>
+      <p:pic>
+        <p:nvPicPr>
+          <p:cNvPr id="4" name="Picture 3">
+            <a:extLst>
+              <a:ext uri="{FF2B5EF4-FFF2-40B4-BE49-F238E27FC236}">
+                <a16:creationId xmlns:a16="http://schemas.microsoft.com/office/drawing/2014/main" id="{114D38A5-A4CC-165D-36BC-EB9B31042D95}"/>
+              </a:ext>
+            </a:extLst>
+          </p:cNvPr>
+          <p:cNvPicPr>
+            <a:picLocks noChangeAspect="1"/>
+          </p:cNvPicPr>
+          <p:nvPr/>
+        </p:nvPicPr>
+        <p:blipFill>
+          <a:blip r:embed="rId2"/>
+          <a:stretch>
+            <a:fillRect/>
+          </a:stretch>
+        </p:blipFill>
+        <p:spPr>
+          <a:xfrm>
+            <a:off x="3339093" y="0"/>
+            <a:ext cx="7632700" cy="6692900"/>
+          </a:xfrm>
+          <a:prstGeom prst="rect">
+            <a:avLst/>
+          </a:prstGeom>
+        </p:spPr>
+      </p:pic>
+      <p:sp>
+        <p:nvSpPr>
+          <p:cNvPr id="5" name="TextBox 4">
+            <a:extLst>
+              <a:ext uri="{FF2B5EF4-FFF2-40B4-BE49-F238E27FC236}">
+                <a16:creationId xmlns:a16="http://schemas.microsoft.com/office/drawing/2014/main" id="{9A2D417C-220B-F73F-28A1-C4D20A500046}"/>
+              </a:ext>
+            </a:extLst>
+          </p:cNvPr>
+          <p:cNvSpPr txBox="1"/>
+          <p:nvPr/>
+        </p:nvSpPr>
+        <p:spPr>
+          <a:xfrm>
+            <a:off x="404648" y="247416"/>
+            <a:ext cx="2228194" cy="369332"/>
+          </a:xfrm>
+          <a:prstGeom prst="rect">
+            <a:avLst/>
+          </a:prstGeom>
+          <a:noFill/>
+        </p:spPr>
+        <p:txBody>
+          <a:bodyPr wrap="square" rtlCol="0">
+            <a:spAutoFit/>
+          </a:bodyPr>
+          <a:lstStyle/>
+          <a:p>
+            <a:r>
+              <a:rPr lang="en-US" altLang="zh-CN" dirty="0">
+                <a:solidFill>
+                  <a:srgbClr val="FF0000"/>
+                </a:solidFill>
+              </a:rPr>
+              <a:t>Policy</a:t>
+            </a:r>
+            <a:r>
+              <a:rPr lang="zh-CN" altLang="en-US" dirty="0">
+                <a:solidFill>
+                  <a:srgbClr val="FF0000"/>
+                </a:solidFill>
+              </a:rPr>
+              <a:t> </a:t>
+            </a:r>
+            <a:r>
+              <a:rPr lang="en-US" altLang="zh-CN" dirty="0">
+                <a:solidFill>
+                  <a:srgbClr val="FF0000"/>
+                </a:solidFill>
+              </a:rPr>
+              <a:t>network</a:t>
+            </a:r>
+            <a:endParaRPr lang="en-US" dirty="0">
+              <a:solidFill>
+                <a:srgbClr val="FF0000"/>
+              </a:solidFill>
+            </a:endParaRPr>
+          </a:p>
+        </p:txBody>
+      </p:sp>
+    </p:spTree>
+    <p:extLst>
+      <p:ext uri="{BB962C8B-B14F-4D97-AF65-F5344CB8AC3E}">
+        <p14:creationId xmlns:p14="http://schemas.microsoft.com/office/powerpoint/2010/main" val="3842757197"/>
+      </p:ext>
+    </p:extLst>
+  </p:cSld>
+  <p:clrMapOvr>
+    <a:masterClrMapping/>
+  </p:clrMapOvr>
+</p:sld>
+</file>
+
+<file path=ppt/slides/slide15.xml><?xml version="1.0" encoding="utf-8"?>
+<p:sld xmlns:a="http://schemas.openxmlformats.org/drawingml/2006/main" xmlns:r="http://schemas.openxmlformats.org/officeDocument/2006/relationships" xmlns:p="http://schemas.openxmlformats.org/presentationml/2006/main">
+  <p:cSld>
+    <p:spTree>
+      <p:nvGrpSpPr>
+        <p:cNvPr id="1" name=""/>
+        <p:cNvGrpSpPr/>
+        <p:nvPr/>
+      </p:nvGrpSpPr>
+      <p:grpSpPr>
+        <a:xfrm>
+          <a:off x="0" y="0"/>
+          <a:ext cx="0" cy="0"/>
+          <a:chOff x="0" y="0"/>
+          <a:chExt cx="0" cy="0"/>
+        </a:xfrm>
+      </p:grpSpPr>
+      <p:pic>
+        <p:nvPicPr>
+          <p:cNvPr id="4" name="Picture 3">
+            <a:extLst>
+              <a:ext uri="{FF2B5EF4-FFF2-40B4-BE49-F238E27FC236}">
+                <a16:creationId xmlns:a16="http://schemas.microsoft.com/office/drawing/2014/main" id="{2420BFBC-B8F9-1142-E52D-1500D7929C45}"/>
+              </a:ext>
+            </a:extLst>
+          </p:cNvPr>
+          <p:cNvPicPr>
+            <a:picLocks noChangeAspect="1"/>
+          </p:cNvPicPr>
+          <p:nvPr/>
+        </p:nvPicPr>
+        <p:blipFill>
+          <a:blip r:embed="rId2"/>
+          <a:stretch>
+            <a:fillRect/>
+          </a:stretch>
+        </p:blipFill>
+        <p:spPr>
+          <a:xfrm>
+            <a:off x="2241550" y="2645761"/>
+            <a:ext cx="7708900" cy="3111500"/>
+          </a:xfrm>
+          <a:prstGeom prst="rect">
+            <a:avLst/>
+          </a:prstGeom>
+        </p:spPr>
+      </p:pic>
+      <p:sp>
+        <p:nvSpPr>
+          <p:cNvPr id="5" name="TextBox 4">
+            <a:extLst>
+              <a:ext uri="{FF2B5EF4-FFF2-40B4-BE49-F238E27FC236}">
+                <a16:creationId xmlns:a16="http://schemas.microsoft.com/office/drawing/2014/main" id="{4937EB34-5201-9E5A-628E-8CE6F7360B02}"/>
+              </a:ext>
+            </a:extLst>
+          </p:cNvPr>
+          <p:cNvSpPr txBox="1"/>
+          <p:nvPr/>
+        </p:nvSpPr>
+        <p:spPr>
+          <a:xfrm>
+            <a:off x="404648" y="247416"/>
+            <a:ext cx="2228194" cy="369332"/>
+          </a:xfrm>
+          <a:prstGeom prst="rect">
+            <a:avLst/>
+          </a:prstGeom>
+          <a:noFill/>
+        </p:spPr>
+        <p:txBody>
+          <a:bodyPr wrap="square" rtlCol="0">
+            <a:spAutoFit/>
+          </a:bodyPr>
+          <a:lstStyle/>
+          <a:p>
+            <a:r>
+              <a:rPr lang="en-US" altLang="zh-CN" dirty="0">
+                <a:solidFill>
+                  <a:srgbClr val="FF0000"/>
+                </a:solidFill>
+              </a:rPr>
+              <a:t>value</a:t>
+            </a:r>
+            <a:r>
+              <a:rPr lang="zh-CN" altLang="en-US" dirty="0">
+                <a:solidFill>
+                  <a:srgbClr val="FF0000"/>
+                </a:solidFill>
+              </a:rPr>
+              <a:t> </a:t>
+            </a:r>
+            <a:r>
+              <a:rPr lang="en-US" altLang="zh-CN" dirty="0">
+                <a:solidFill>
+                  <a:srgbClr val="FF0000"/>
+                </a:solidFill>
+              </a:rPr>
+              <a:t>network</a:t>
+            </a:r>
+            <a:endParaRPr lang="en-US" dirty="0">
+              <a:solidFill>
+                <a:srgbClr val="FF0000"/>
+              </a:solidFill>
+            </a:endParaRPr>
+          </a:p>
+        </p:txBody>
+      </p:sp>
+    </p:spTree>
+    <p:extLst>
+      <p:ext uri="{BB962C8B-B14F-4D97-AF65-F5344CB8AC3E}">
+        <p14:creationId xmlns:p14="http://schemas.microsoft.com/office/powerpoint/2010/main" val="3532038035"/>
+      </p:ext>
+    </p:extLst>
+  </p:cSld>
+  <p:clrMapOvr>
+    <a:masterClrMapping/>
+  </p:clrMapOvr>
+</p:sld>
+</file>
+
+<file path=ppt/slides/slide16.xml><?xml version="1.0" encoding="utf-8"?>
+<p:sld xmlns:a="http://schemas.openxmlformats.org/drawingml/2006/main" xmlns:r="http://schemas.openxmlformats.org/officeDocument/2006/relationships" xmlns:p="http://schemas.openxmlformats.org/presentationml/2006/main">
+  <p:cSld>
+    <p:spTree>
+      <p:nvGrpSpPr>
+        <p:cNvPr id="1" name=""/>
+        <p:cNvGrpSpPr/>
+        <p:nvPr/>
+      </p:nvGrpSpPr>
+      <p:grpSpPr>
+        <a:xfrm>
+          <a:off x="0" y="0"/>
+          <a:ext cx="0" cy="0"/>
+          <a:chOff x="0" y="0"/>
+          <a:chExt cx="0" cy="0"/>
+        </a:xfrm>
+      </p:grpSpPr>
+      <p:pic>
+        <p:nvPicPr>
+          <p:cNvPr id="4" name="Picture 3">
+            <a:extLst>
+              <a:ext uri="{FF2B5EF4-FFF2-40B4-BE49-F238E27FC236}">
+                <a16:creationId xmlns:a16="http://schemas.microsoft.com/office/drawing/2014/main" id="{3EAAEE40-4BE7-2597-B682-5A90194EDA5B}"/>
+              </a:ext>
+            </a:extLst>
+          </p:cNvPr>
+          <p:cNvPicPr>
+            <a:picLocks noChangeAspect="1"/>
+          </p:cNvPicPr>
+          <p:nvPr/>
+        </p:nvPicPr>
+        <p:blipFill>
+          <a:blip r:embed="rId2"/>
+          <a:stretch>
+            <a:fillRect/>
+          </a:stretch>
+        </p:blipFill>
+        <p:spPr>
+          <a:xfrm>
+            <a:off x="409263" y="517883"/>
+            <a:ext cx="7772400" cy="5822234"/>
+          </a:xfrm>
+          <a:prstGeom prst="rect">
+            <a:avLst/>
+          </a:prstGeom>
+        </p:spPr>
+      </p:pic>
+      <p:sp>
+        <p:nvSpPr>
+          <p:cNvPr id="5" name="TextBox 4">
+            <a:extLst>
+              <a:ext uri="{FF2B5EF4-FFF2-40B4-BE49-F238E27FC236}">
+                <a16:creationId xmlns:a16="http://schemas.microsoft.com/office/drawing/2014/main" id="{70935A82-08FA-0D8E-2A0F-17B8660FBB87}"/>
+              </a:ext>
+            </a:extLst>
+          </p:cNvPr>
+          <p:cNvSpPr txBox="1"/>
+          <p:nvPr/>
+        </p:nvSpPr>
+        <p:spPr>
+          <a:xfrm>
+            <a:off x="8816812" y="5787732"/>
+            <a:ext cx="2228194" cy="369332"/>
+          </a:xfrm>
+          <a:prstGeom prst="rect">
+            <a:avLst/>
+          </a:prstGeom>
+          <a:noFill/>
+        </p:spPr>
+        <p:txBody>
+          <a:bodyPr wrap="square" rtlCol="0">
+            <a:spAutoFit/>
+          </a:bodyPr>
+          <a:lstStyle/>
+          <a:p>
+            <a:r>
+              <a:rPr lang="zh-CN" altLang="en-US" b="1" dirty="0">
+                <a:highlight>
+                  <a:srgbClr val="FFFF00"/>
+                </a:highlight>
+              </a:rPr>
+              <a:t>初始，还没梯度</a:t>
+            </a:r>
+            <a:endParaRPr lang="en-US" b="1" dirty="0">
+              <a:highlight>
+                <a:srgbClr val="FFFF00"/>
+              </a:highlight>
+            </a:endParaRPr>
+          </a:p>
+        </p:txBody>
+      </p:sp>
+    </p:spTree>
+    <p:extLst>
+      <p:ext uri="{BB962C8B-B14F-4D97-AF65-F5344CB8AC3E}">
+        <p14:creationId xmlns:p14="http://schemas.microsoft.com/office/powerpoint/2010/main" val="2652187318"/>
+      </p:ext>
+    </p:extLst>
+  </p:cSld>
+  <p:clrMapOvr>
+    <a:masterClrMapping/>
+  </p:clrMapOvr>
+</p:sld>
+</file>
+
+<file path=ppt/slides/slide17.xml><?xml version="1.0" encoding="utf-8"?>
+<p:sld xmlns:a="http://schemas.openxmlformats.org/drawingml/2006/main" xmlns:r="http://schemas.openxmlformats.org/officeDocument/2006/relationships" xmlns:p="http://schemas.openxmlformats.org/presentationml/2006/main">
+  <p:cSld>
+    <p:spTree>
+      <p:nvGrpSpPr>
+        <p:cNvPr id="1" name=""/>
+        <p:cNvGrpSpPr/>
+        <p:nvPr/>
+      </p:nvGrpSpPr>
+      <p:grpSpPr>
+        <a:xfrm>
+          <a:off x="0" y="0"/>
+          <a:ext cx="0" cy="0"/>
+          <a:chOff x="0" y="0"/>
+          <a:chExt cx="0" cy="0"/>
+        </a:xfrm>
+      </p:grpSpPr>
+      <p:sp>
+        <p:nvSpPr>
+          <p:cNvPr id="4" name="TextBox 3">
+            <a:extLst>
+              <a:ext uri="{FF2B5EF4-FFF2-40B4-BE49-F238E27FC236}">
+                <a16:creationId xmlns:a16="http://schemas.microsoft.com/office/drawing/2014/main" id="{62234088-3A7B-C82D-5803-2301351B7768}"/>
+              </a:ext>
+            </a:extLst>
+          </p:cNvPr>
+          <p:cNvSpPr txBox="1"/>
+          <p:nvPr/>
+        </p:nvSpPr>
+        <p:spPr>
+          <a:xfrm>
+            <a:off x="8816812" y="5787732"/>
+            <a:ext cx="2228194" cy="369332"/>
+          </a:xfrm>
+          <a:prstGeom prst="rect">
+            <a:avLst/>
+          </a:prstGeom>
+          <a:noFill/>
+        </p:spPr>
+        <p:txBody>
+          <a:bodyPr wrap="square" rtlCol="0">
+            <a:spAutoFit/>
+          </a:bodyPr>
+          <a:lstStyle/>
+          <a:p>
+            <a:r>
+              <a:rPr lang="zh-CN" altLang="en-US" b="1" dirty="0">
+                <a:highlight>
+                  <a:srgbClr val="FFFF00"/>
+                </a:highlight>
+              </a:rPr>
+              <a:t>第一次</a:t>
+            </a:r>
+            <a:endParaRPr lang="en-US" b="1" dirty="0">
+              <a:highlight>
+                <a:srgbClr val="FFFF00"/>
+              </a:highlight>
+            </a:endParaRPr>
+          </a:p>
+        </p:txBody>
+      </p:sp>
+      <p:pic>
+        <p:nvPicPr>
+          <p:cNvPr id="5" name="Picture 4">
+            <a:extLst>
+              <a:ext uri="{FF2B5EF4-FFF2-40B4-BE49-F238E27FC236}">
+                <a16:creationId xmlns:a16="http://schemas.microsoft.com/office/drawing/2014/main" id="{6B9B4704-CE8B-CD38-7B8D-F2320139009B}"/>
+              </a:ext>
+            </a:extLst>
+          </p:cNvPr>
+          <p:cNvPicPr>
+            <a:picLocks noChangeAspect="1"/>
+          </p:cNvPicPr>
+          <p:nvPr/>
+        </p:nvPicPr>
+        <p:blipFill>
+          <a:blip r:embed="rId2"/>
+          <a:stretch>
+            <a:fillRect/>
+          </a:stretch>
+        </p:blipFill>
+        <p:spPr>
+          <a:xfrm>
+            <a:off x="6412413" y="1521860"/>
+            <a:ext cx="4808798" cy="2953349"/>
+          </a:xfrm>
+          <a:prstGeom prst="rect">
+            <a:avLst/>
+          </a:prstGeom>
+        </p:spPr>
+      </p:pic>
+      <p:pic>
+        <p:nvPicPr>
+          <p:cNvPr id="6" name="Picture 5">
+            <a:extLst>
+              <a:ext uri="{FF2B5EF4-FFF2-40B4-BE49-F238E27FC236}">
+                <a16:creationId xmlns:a16="http://schemas.microsoft.com/office/drawing/2014/main" id="{8565F995-6F44-8008-61D1-A5C7C19C9E05}"/>
+              </a:ext>
+            </a:extLst>
+          </p:cNvPr>
+          <p:cNvPicPr>
+            <a:picLocks noChangeAspect="1"/>
+          </p:cNvPicPr>
+          <p:nvPr/>
+        </p:nvPicPr>
+        <p:blipFill>
+          <a:blip r:embed="rId3"/>
+          <a:stretch>
+            <a:fillRect/>
+          </a:stretch>
+        </p:blipFill>
+        <p:spPr>
+          <a:xfrm>
+            <a:off x="336075" y="922594"/>
+            <a:ext cx="5759925" cy="5935406"/>
+          </a:xfrm>
+          <a:prstGeom prst="rect">
+            <a:avLst/>
+          </a:prstGeom>
+        </p:spPr>
+      </p:pic>
+    </p:spTree>
+    <p:extLst>
+      <p:ext uri="{BB962C8B-B14F-4D97-AF65-F5344CB8AC3E}">
+        <p14:creationId xmlns:p14="http://schemas.microsoft.com/office/powerpoint/2010/main" val="192591828"/>
+      </p:ext>
+    </p:extLst>
+  </p:cSld>
+  <p:clrMapOvr>
+    <a:masterClrMapping/>
+  </p:clrMapOvr>
+</p:sld>
+</file>
+
+<file path=ppt/slides/slide18.xml><?xml version="1.0" encoding="utf-8"?>
+<p:sld xmlns:a="http://schemas.openxmlformats.org/drawingml/2006/main" xmlns:r="http://schemas.openxmlformats.org/officeDocument/2006/relationships" xmlns:p="http://schemas.openxmlformats.org/presentationml/2006/main">
+  <p:cSld>
+    <p:spTree>
+      <p:nvGrpSpPr>
+        <p:cNvPr id="1" name=""/>
+        <p:cNvGrpSpPr/>
+        <p:nvPr/>
+      </p:nvGrpSpPr>
+      <p:grpSpPr>
+        <a:xfrm>
+          <a:off x="0" y="0"/>
+          <a:ext cx="0" cy="0"/>
+          <a:chOff x="0" y="0"/>
+          <a:chExt cx="0" cy="0"/>
+        </a:xfrm>
+      </p:grpSpPr>
+      <p:pic>
+        <p:nvPicPr>
+          <p:cNvPr id="4" name="Picture 3">
+            <a:extLst>
+              <a:ext uri="{FF2B5EF4-FFF2-40B4-BE49-F238E27FC236}">
+                <a16:creationId xmlns:a16="http://schemas.microsoft.com/office/drawing/2014/main" id="{2BC8FD47-8995-0998-1A1B-0CB02F84D186}"/>
+              </a:ext>
+            </a:extLst>
+          </p:cNvPr>
+          <p:cNvPicPr>
+            <a:picLocks noChangeAspect="1"/>
+          </p:cNvPicPr>
+          <p:nvPr/>
+        </p:nvPicPr>
+        <p:blipFill>
+          <a:blip r:embed="rId2"/>
+          <a:stretch>
+            <a:fillRect/>
+          </a:stretch>
+        </p:blipFill>
+        <p:spPr>
+          <a:xfrm>
+            <a:off x="567396" y="3618819"/>
+            <a:ext cx="7772400" cy="1863117"/>
+          </a:xfrm>
+          <a:prstGeom prst="rect">
+            <a:avLst/>
+          </a:prstGeom>
+        </p:spPr>
+      </p:pic>
+      <p:pic>
+        <p:nvPicPr>
+          <p:cNvPr id="5" name="Picture 4">
+            <a:extLst>
+              <a:ext uri="{FF2B5EF4-FFF2-40B4-BE49-F238E27FC236}">
+                <a16:creationId xmlns:a16="http://schemas.microsoft.com/office/drawing/2014/main" id="{F801FA0A-001C-8EA3-CF7E-2E54480DB105}"/>
+              </a:ext>
+            </a:extLst>
+          </p:cNvPr>
+          <p:cNvPicPr>
+            <a:picLocks noChangeAspect="1"/>
+          </p:cNvPicPr>
+          <p:nvPr/>
+        </p:nvPicPr>
+        <p:blipFill>
+          <a:blip r:embed="rId3"/>
+          <a:stretch>
+            <a:fillRect/>
+          </a:stretch>
+        </p:blipFill>
+        <p:spPr>
+          <a:xfrm>
+            <a:off x="792479" y="701523"/>
+            <a:ext cx="7772400" cy="1842554"/>
+          </a:xfrm>
+          <a:prstGeom prst="rect">
+            <a:avLst/>
+          </a:prstGeom>
+        </p:spPr>
+      </p:pic>
+    </p:spTree>
+    <p:extLst>
+      <p:ext uri="{BB962C8B-B14F-4D97-AF65-F5344CB8AC3E}">
+        <p14:creationId xmlns:p14="http://schemas.microsoft.com/office/powerpoint/2010/main" val="2768161575"/>
+      </p:ext>
+    </p:extLst>
+  </p:cSld>
+  <p:clrMapOvr>
+    <a:masterClrMapping/>
+  </p:clrMapOvr>
+</p:sld>
+</file>
+
 <file path=ppt/slides/slide2.xml><?xml version="1.0" encoding="utf-8"?>
 <p:sld xmlns:a="http://schemas.openxmlformats.org/drawingml/2006/main" xmlns:r="http://schemas.openxmlformats.org/officeDocument/2006/relationships" xmlns:p="http://schemas.openxmlformats.org/presentationml/2006/main">
   <p:cSld>
@@ -6826,6 +9207,107 @@
           </a:p>
         </p:txBody>
       </p:sp>
+      <p:sp>
+        <p:nvSpPr>
+          <p:cNvPr id="3" name="TextBox 2">
+            <a:extLst>
+              <a:ext uri="{FF2B5EF4-FFF2-40B4-BE49-F238E27FC236}">
+                <a16:creationId xmlns:a16="http://schemas.microsoft.com/office/drawing/2014/main" id="{CDBB98E9-88EE-1333-B4BF-7E8A91B970F3}"/>
+              </a:ext>
+            </a:extLst>
+          </p:cNvPr>
+          <p:cNvSpPr txBox="1"/>
+          <p:nvPr/>
+        </p:nvSpPr>
+        <p:spPr>
+          <a:xfrm>
+            <a:off x="3626480" y="6344315"/>
+            <a:ext cx="2354404" cy="369332"/>
+          </a:xfrm>
+          <a:prstGeom prst="rect">
+            <a:avLst/>
+          </a:prstGeom>
+          <a:noFill/>
+        </p:spPr>
+        <p:txBody>
+          <a:bodyPr wrap="square">
+            <a:spAutoFit/>
+          </a:bodyPr>
+          <a:lstStyle/>
+          <a:p>
+            <a:r>
+              <a:rPr lang="en-SG" b="0" dirty="0">
+                <a:effectLst/>
+                <a:latin typeface="Menlo" panose="020B0609030804020204" pitchFamily="49" charset="0"/>
+              </a:rPr>
+              <a:t>_</a:t>
+            </a:r>
+            <a:r>
+              <a:rPr lang="en-SG" b="0" dirty="0" err="1">
+                <a:effectLst/>
+                <a:latin typeface="Menlo" panose="020B0609030804020204" pitchFamily="49" charset="0"/>
+              </a:rPr>
+              <a:t>get_numerical</a:t>
+            </a:r>
+            <a:endParaRPr lang="en-SG" b="0" dirty="0">
+              <a:effectLst/>
+              <a:latin typeface="Menlo" panose="020B0609030804020204" pitchFamily="49" charset="0"/>
+            </a:endParaRPr>
+          </a:p>
+        </p:txBody>
+      </p:sp>
+      <p:sp>
+        <p:nvSpPr>
+          <p:cNvPr id="7" name="TextBox 6">
+            <a:extLst>
+              <a:ext uri="{FF2B5EF4-FFF2-40B4-BE49-F238E27FC236}">
+                <a16:creationId xmlns:a16="http://schemas.microsoft.com/office/drawing/2014/main" id="{40BE14B2-EAF3-1F83-328A-8D751BF44D4D}"/>
+              </a:ext>
+            </a:extLst>
+          </p:cNvPr>
+          <p:cNvSpPr txBox="1"/>
+          <p:nvPr/>
+        </p:nvSpPr>
+        <p:spPr>
+          <a:xfrm>
+            <a:off x="6685006" y="6391957"/>
+            <a:ext cx="7897906" cy="246221"/>
+          </a:xfrm>
+          <a:prstGeom prst="rect">
+            <a:avLst/>
+          </a:prstGeom>
+          <a:noFill/>
+        </p:spPr>
+        <p:txBody>
+          <a:bodyPr wrap="square">
+            <a:spAutoFit/>
+          </a:bodyPr>
+          <a:lstStyle/>
+          <a:p>
+            <a:r>
+              <a:rPr lang="en-SG" sz="1000" b="0" dirty="0">
+                <a:effectLst/>
+                <a:latin typeface="Menlo" panose="020B0609030804020204" pitchFamily="49" charset="0"/>
+              </a:rPr>
+              <a:t>[0.5, stage1_ration, stage2_ration, </a:t>
+            </a:r>
+            <a:r>
+              <a:rPr lang="en-SG" sz="1000" b="0" dirty="0" err="1">
+                <a:effectLst/>
+                <a:latin typeface="Menlo" panose="020B0609030804020204" pitchFamily="49" charset="0"/>
+              </a:rPr>
+              <a:t>interior_ration,culdesacNum</a:t>
+            </a:r>
+            <a:r>
+              <a:rPr lang="en-SG" sz="1000" b="0" dirty="0">
+                <a:effectLst/>
+                <a:latin typeface="Menlo" panose="020B0609030804020204" pitchFamily="49" charset="0"/>
+              </a:rPr>
+              <a:t>]</a:t>
+            </a:r>
+          </a:p>
+        </p:txBody>
+      </p:sp>
     </p:spTree>
     <p:extLst>
       <p:ext uri="{BB962C8B-B14F-4D97-AF65-F5344CB8AC3E}">
@@ -7125,7 +9607,7 @@
         </p:nvCxnSpPr>
         <p:spPr>
           <a:xfrm flipV="1">
-            <a:off x="6561263" y="976393"/>
+            <a:off x="7136997" y="976393"/>
             <a:ext cx="0" cy="5556487"/>
           </a:xfrm>
           <a:prstGeom prst="line">
@@ -7406,7 +9888,7 @@
         </p:nvCxnSpPr>
         <p:spPr>
           <a:xfrm>
-            <a:off x="288864" y="3429000"/>
+            <a:off x="288864" y="3073823"/>
             <a:ext cx="11779929" cy="0"/>
           </a:xfrm>
           <a:prstGeom prst="line">
@@ -7537,8 +10019,8 @@
         </p:nvSpPr>
         <p:spPr>
           <a:xfrm>
-            <a:off x="6647172" y="2434671"/>
-            <a:ext cx="6097772" cy="261610"/>
+            <a:off x="7375306" y="2434671"/>
+            <a:ext cx="6097772" cy="415498"/>
           </a:xfrm>
           <a:prstGeom prst="rect">
             <a:avLst/>
@@ -7563,7 +10045,16 @@
                 <a:effectLst/>
                 <a:latin typeface="Menlo" panose="020B0609030804020204" pitchFamily="49" charset="0"/>
               </a:rPr>
-              <a:t> = int(</a:t>
+              <a:t> </a:t>
+            </a:r>
+          </a:p>
+          <a:p>
+            <a:r>
+              <a:rPr lang="en-SG" sz="1050" b="0" dirty="0">
+                <a:effectLst/>
+                <a:latin typeface="Menlo" panose="020B0609030804020204" pitchFamily="49" charset="0"/>
+              </a:rPr>
+              <a:t>= int(</a:t>
             </a:r>
             <a:r>
               <a:rPr lang="en-SG" sz="1050" b="0" dirty="0" err="1">
@@ -7680,7 +10171,7 @@
         </p:nvSpPr>
         <p:spPr>
           <a:xfrm>
-            <a:off x="1862164" y="3846756"/>
+            <a:off x="1862164" y="3188917"/>
             <a:ext cx="1149711" cy="253916"/>
           </a:xfrm>
           <a:prstGeom prst="rect">
@@ -7728,8 +10219,8 @@
         </p:nvSpPr>
         <p:spPr>
           <a:xfrm>
-            <a:off x="3451252" y="3801148"/>
-            <a:ext cx="6373906" cy="369332"/>
+            <a:off x="3451252" y="3143309"/>
+            <a:ext cx="2932624" cy="369332"/>
           </a:xfrm>
           <a:prstGeom prst="rect">
             <a:avLst/>
@@ -7760,10 +10251,1546 @@
           </a:p>
         </p:txBody>
       </p:sp>
+      <p:cxnSp>
+        <p:nvCxnSpPr>
+          <p:cNvPr id="34" name="Straight Connector 33">
+            <a:extLst>
+              <a:ext uri="{FF2B5EF4-FFF2-40B4-BE49-F238E27FC236}">
+                <a16:creationId xmlns:a16="http://schemas.microsoft.com/office/drawing/2014/main" id="{28F3A390-3D68-08D0-88D8-C0CA55C3874C}"/>
+              </a:ext>
+            </a:extLst>
+          </p:cNvPr>
+          <p:cNvCxnSpPr>
+            <a:cxnSpLocks/>
+          </p:cNvCxnSpPr>
+          <p:nvPr/>
+        </p:nvCxnSpPr>
+        <p:spPr>
+          <a:xfrm>
+            <a:off x="206035" y="3512641"/>
+            <a:ext cx="11779929" cy="0"/>
+          </a:xfrm>
+          <a:prstGeom prst="line">
+            <a:avLst/>
+          </a:prstGeom>
+          <a:ln>
+            <a:solidFill>
+              <a:schemeClr val="bg1">
+                <a:lumMod val="75000"/>
+              </a:schemeClr>
+            </a:solidFill>
+          </a:ln>
+        </p:spPr>
+        <p:style>
+          <a:lnRef idx="1">
+            <a:schemeClr val="dk1"/>
+          </a:lnRef>
+          <a:fillRef idx="0">
+            <a:schemeClr val="dk1"/>
+          </a:fillRef>
+          <a:effectRef idx="0">
+            <a:schemeClr val="dk1"/>
+          </a:effectRef>
+          <a:fontRef idx="minor">
+            <a:schemeClr val="tx1"/>
+          </a:fontRef>
+        </p:style>
+      </p:cxnSp>
+      <p:sp>
+        <p:nvSpPr>
+          <p:cNvPr id="35" name="TextBox 34">
+            <a:extLst>
+              <a:ext uri="{FF2B5EF4-FFF2-40B4-BE49-F238E27FC236}">
+                <a16:creationId xmlns:a16="http://schemas.microsoft.com/office/drawing/2014/main" id="{79BE1E4B-F4CB-B28F-1051-BC17DD6193AB}"/>
+              </a:ext>
+            </a:extLst>
+          </p:cNvPr>
+          <p:cNvSpPr txBox="1"/>
+          <p:nvPr/>
+        </p:nvSpPr>
+        <p:spPr>
+          <a:xfrm>
+            <a:off x="222393" y="3654561"/>
+            <a:ext cx="1149711" cy="253916"/>
+          </a:xfrm>
+          <a:prstGeom prst="rect">
+            <a:avLst/>
+          </a:prstGeom>
+          <a:noFill/>
+        </p:spPr>
+        <p:txBody>
+          <a:bodyPr wrap="square">
+            <a:spAutoFit/>
+          </a:bodyPr>
+          <a:lstStyle/>
+          <a:p>
+            <a:r>
+              <a:rPr lang="en-SG" sz="1050" dirty="0">
+                <a:latin typeface="Menlo" panose="020B0609030804020204" pitchFamily="49" charset="0"/>
+              </a:rPr>
+              <a:t>Save model</a:t>
+            </a:r>
+            <a:endParaRPr lang="en-SG" sz="1050" b="0" dirty="0">
+              <a:effectLst/>
+              <a:latin typeface="Menlo" panose="020B0609030804020204" pitchFamily="49" charset="0"/>
+            </a:endParaRPr>
+          </a:p>
+        </p:txBody>
+      </p:sp>
+      <p:sp>
+        <p:nvSpPr>
+          <p:cNvPr id="37" name="TextBox 36">
+            <a:extLst>
+              <a:ext uri="{FF2B5EF4-FFF2-40B4-BE49-F238E27FC236}">
+                <a16:creationId xmlns:a16="http://schemas.microsoft.com/office/drawing/2014/main" id="{E7767404-5BB6-90EC-574A-4A20D4CAE0C4}"/>
+              </a:ext>
+            </a:extLst>
+          </p:cNvPr>
+          <p:cNvSpPr txBox="1"/>
+          <p:nvPr/>
+        </p:nvSpPr>
+        <p:spPr>
+          <a:xfrm>
+            <a:off x="1553013" y="3655011"/>
+            <a:ext cx="2053784" cy="261610"/>
+          </a:xfrm>
+          <a:prstGeom prst="rect">
+            <a:avLst/>
+          </a:prstGeom>
+          <a:noFill/>
+        </p:spPr>
+        <p:txBody>
+          <a:bodyPr wrap="square">
+            <a:spAutoFit/>
+          </a:bodyPr>
+          <a:lstStyle/>
+          <a:p>
+            <a:r>
+              <a:rPr lang="en-US" sz="1100" dirty="0" err="1"/>
+              <a:t>khrylib</a:t>
+            </a:r>
+            <a:r>
+              <a:rPr lang="en-US" sz="1100" dirty="0"/>
+              <a:t>/</a:t>
+            </a:r>
+            <a:r>
+              <a:rPr lang="en-US" sz="1100" dirty="0" err="1"/>
+              <a:t>rl</a:t>
+            </a:r>
+            <a:r>
+              <a:rPr lang="en-US" sz="1100" dirty="0"/>
+              <a:t>/core/</a:t>
+            </a:r>
+            <a:r>
+              <a:rPr lang="en-US" sz="1100" dirty="0" err="1"/>
+              <a:t>logger_rl.py</a:t>
+            </a:r>
+            <a:endParaRPr lang="en-US" sz="1100" dirty="0"/>
+          </a:p>
+        </p:txBody>
+      </p:sp>
+      <p:sp>
+        <p:nvSpPr>
+          <p:cNvPr id="39" name="TextBox 38">
+            <a:extLst>
+              <a:ext uri="{FF2B5EF4-FFF2-40B4-BE49-F238E27FC236}">
+                <a16:creationId xmlns:a16="http://schemas.microsoft.com/office/drawing/2014/main" id="{6B5E4881-54BB-A3E9-0E9A-24051820EDE9}"/>
+              </a:ext>
+            </a:extLst>
+          </p:cNvPr>
+          <p:cNvSpPr txBox="1"/>
+          <p:nvPr/>
+        </p:nvSpPr>
+        <p:spPr>
+          <a:xfrm>
+            <a:off x="3606797" y="3661326"/>
+            <a:ext cx="2599264" cy="261610"/>
+          </a:xfrm>
+          <a:prstGeom prst="rect">
+            <a:avLst/>
+          </a:prstGeom>
+          <a:noFill/>
+        </p:spPr>
+        <p:txBody>
+          <a:bodyPr wrap="square">
+            <a:spAutoFit/>
+          </a:bodyPr>
+          <a:lstStyle>
+            <a:defPPr>
+              <a:defRPr lang="en-US"/>
+            </a:defPPr>
+            <a:lvl1pPr>
+              <a:defRPr b="0">
+                <a:effectLst/>
+                <a:latin typeface="Menlo" panose="020B0609030804020204" pitchFamily="49" charset="0"/>
+              </a:defRPr>
+            </a:lvl1pPr>
+          </a:lstStyle>
+          <a:p>
+            <a:r>
+              <a:rPr lang="en-SG" sz="1100" dirty="0"/>
+              <a:t>def </a:t>
+            </a:r>
+            <a:r>
+              <a:rPr lang="en-SG" sz="1100" dirty="0" err="1"/>
+              <a:t>end_episode</a:t>
+            </a:r>
+            <a:r>
+              <a:rPr lang="en-SG" sz="1100" dirty="0"/>
+              <a:t>(self, info):</a:t>
+            </a:r>
+          </a:p>
+        </p:txBody>
+      </p:sp>
+      <p:sp>
+        <p:nvSpPr>
+          <p:cNvPr id="40" name="TextBox 39">
+            <a:extLst>
+              <a:ext uri="{FF2B5EF4-FFF2-40B4-BE49-F238E27FC236}">
+                <a16:creationId xmlns:a16="http://schemas.microsoft.com/office/drawing/2014/main" id="{F0BA6620-D60B-43C3-D95B-B53FE7E91252}"/>
+              </a:ext>
+            </a:extLst>
+          </p:cNvPr>
+          <p:cNvSpPr txBox="1"/>
+          <p:nvPr/>
+        </p:nvSpPr>
+        <p:spPr>
+          <a:xfrm>
+            <a:off x="7810666" y="3645668"/>
+            <a:ext cx="6097772" cy="261610"/>
+          </a:xfrm>
+          <a:prstGeom prst="rect">
+            <a:avLst/>
+          </a:prstGeom>
+          <a:noFill/>
+        </p:spPr>
+        <p:txBody>
+          <a:bodyPr wrap="square">
+            <a:spAutoFit/>
+          </a:bodyPr>
+          <a:lstStyle/>
+          <a:p>
+            <a:r>
+              <a:rPr lang="en-SG" sz="1050" b="0" dirty="0">
+                <a:effectLst/>
+                <a:latin typeface="Menlo" panose="020B0609030804020204" pitchFamily="49" charset="0"/>
+              </a:rPr>
+              <a:t>Control</a:t>
+            </a:r>
+            <a:r>
+              <a:rPr lang="zh-CN" altLang="en-US" sz="1050" b="0" dirty="0">
+                <a:effectLst/>
+                <a:latin typeface="Menlo" panose="020B0609030804020204" pitchFamily="49" charset="0"/>
+              </a:rPr>
+              <a:t> </a:t>
+            </a:r>
+            <a:r>
+              <a:rPr lang="en-US" altLang="zh-CN" sz="1050" b="0" dirty="0">
+                <a:effectLst/>
+                <a:latin typeface="Menlo" panose="020B0609030804020204" pitchFamily="49" charset="0"/>
+              </a:rPr>
+              <a:t>when</a:t>
+            </a:r>
+            <a:r>
+              <a:rPr lang="zh-CN" altLang="en-US" sz="1050" b="0" dirty="0">
+                <a:effectLst/>
+                <a:latin typeface="Menlo" panose="020B0609030804020204" pitchFamily="49" charset="0"/>
+              </a:rPr>
+              <a:t> </a:t>
+            </a:r>
+            <a:r>
+              <a:rPr lang="en-US" altLang="zh-CN" sz="1050" b="0" dirty="0">
+                <a:effectLst/>
+                <a:latin typeface="Menlo" panose="020B0609030804020204" pitchFamily="49" charset="0"/>
+              </a:rPr>
+              <a:t>to</a:t>
+            </a:r>
+            <a:r>
+              <a:rPr lang="zh-CN" altLang="en-US" sz="1050" b="0" dirty="0">
+                <a:effectLst/>
+                <a:latin typeface="Menlo" panose="020B0609030804020204" pitchFamily="49" charset="0"/>
+              </a:rPr>
+              <a:t> </a:t>
+            </a:r>
+            <a:r>
+              <a:rPr lang="en-US" altLang="zh-CN" sz="1050" b="0" dirty="0">
+                <a:effectLst/>
+                <a:latin typeface="Menlo" panose="020B0609030804020204" pitchFamily="49" charset="0"/>
+              </a:rPr>
+              <a:t>say</a:t>
+            </a:r>
+            <a:r>
+              <a:rPr lang="zh-CN" altLang="en-US" sz="1050" b="0" dirty="0">
+                <a:effectLst/>
+                <a:latin typeface="Menlo" panose="020B0609030804020204" pitchFamily="49" charset="0"/>
+              </a:rPr>
+              <a:t> </a:t>
+            </a:r>
+            <a:r>
+              <a:rPr lang="en-US" altLang="zh-CN" sz="1050" b="0" dirty="0">
+                <a:effectLst/>
+                <a:latin typeface="Menlo" panose="020B0609030804020204" pitchFamily="49" charset="0"/>
+              </a:rPr>
+              <a:t>the</a:t>
+            </a:r>
+            <a:r>
+              <a:rPr lang="zh-CN" altLang="en-US" sz="1050" b="0" dirty="0">
+                <a:effectLst/>
+                <a:latin typeface="Menlo" panose="020B0609030804020204" pitchFamily="49" charset="0"/>
+              </a:rPr>
+              <a:t> </a:t>
+            </a:r>
+            <a:r>
+              <a:rPr lang="en-US" altLang="zh-CN" sz="1050" b="0" dirty="0">
+                <a:effectLst/>
+                <a:latin typeface="Menlo" panose="020B0609030804020204" pitchFamily="49" charset="0"/>
+              </a:rPr>
+              <a:t>model</a:t>
+            </a:r>
+            <a:endParaRPr lang="en-SG" sz="1050" b="0" dirty="0">
+              <a:effectLst/>
+              <a:latin typeface="Menlo" panose="020B0609030804020204" pitchFamily="49" charset="0"/>
+            </a:endParaRPr>
+          </a:p>
+        </p:txBody>
+      </p:sp>
+      <p:cxnSp>
+        <p:nvCxnSpPr>
+          <p:cNvPr id="41" name="Straight Connector 40">
+            <a:extLst>
+              <a:ext uri="{FF2B5EF4-FFF2-40B4-BE49-F238E27FC236}">
+                <a16:creationId xmlns:a16="http://schemas.microsoft.com/office/drawing/2014/main" id="{A6DE1E39-C1B6-14C3-FCE1-A2AF638E1C5F}"/>
+              </a:ext>
+            </a:extLst>
+          </p:cNvPr>
+          <p:cNvCxnSpPr>
+            <a:cxnSpLocks/>
+          </p:cNvCxnSpPr>
+          <p:nvPr/>
+        </p:nvCxnSpPr>
+        <p:spPr>
+          <a:xfrm>
+            <a:off x="169135" y="4012174"/>
+            <a:ext cx="11779929" cy="0"/>
+          </a:xfrm>
+          <a:prstGeom prst="line">
+            <a:avLst/>
+          </a:prstGeom>
+          <a:ln>
+            <a:solidFill>
+              <a:schemeClr val="bg1">
+                <a:lumMod val="75000"/>
+              </a:schemeClr>
+            </a:solidFill>
+          </a:ln>
+        </p:spPr>
+        <p:style>
+          <a:lnRef idx="1">
+            <a:schemeClr val="dk1"/>
+          </a:lnRef>
+          <a:fillRef idx="0">
+            <a:schemeClr val="dk1"/>
+          </a:fillRef>
+          <a:effectRef idx="0">
+            <a:schemeClr val="dk1"/>
+          </a:effectRef>
+          <a:fontRef idx="minor">
+            <a:schemeClr val="tx1"/>
+          </a:fontRef>
+        </p:style>
+      </p:cxnSp>
+      <p:sp>
+        <p:nvSpPr>
+          <p:cNvPr id="42" name="TextBox 41">
+            <a:extLst>
+              <a:ext uri="{FF2B5EF4-FFF2-40B4-BE49-F238E27FC236}">
+                <a16:creationId xmlns:a16="http://schemas.microsoft.com/office/drawing/2014/main" id="{961997E0-A09E-A195-53E4-D75549E2A7E0}"/>
+              </a:ext>
+            </a:extLst>
+          </p:cNvPr>
+          <p:cNvSpPr txBox="1"/>
+          <p:nvPr/>
+        </p:nvSpPr>
+        <p:spPr>
+          <a:xfrm>
+            <a:off x="200259" y="4352410"/>
+            <a:ext cx="1149711" cy="253916"/>
+          </a:xfrm>
+          <a:prstGeom prst="rect">
+            <a:avLst/>
+          </a:prstGeom>
+          <a:noFill/>
+        </p:spPr>
+        <p:txBody>
+          <a:bodyPr wrap="square">
+            <a:spAutoFit/>
+          </a:bodyPr>
+          <a:lstStyle/>
+          <a:p>
+            <a:r>
+              <a:rPr lang="en-US" sz="1050" b="0" dirty="0">
+                <a:effectLst/>
+                <a:latin typeface="Menlo" panose="020B0609030804020204" pitchFamily="49" charset="0"/>
+              </a:rPr>
+              <a:t>record</a:t>
+            </a:r>
+            <a:endParaRPr lang="en-SG" sz="1050" b="0" dirty="0">
+              <a:effectLst/>
+              <a:latin typeface="Menlo" panose="020B0609030804020204" pitchFamily="49" charset="0"/>
+            </a:endParaRPr>
+          </a:p>
+        </p:txBody>
+      </p:sp>
+      <p:sp>
+        <p:nvSpPr>
+          <p:cNvPr id="43" name="TextBox 42">
+            <a:extLst>
+              <a:ext uri="{FF2B5EF4-FFF2-40B4-BE49-F238E27FC236}">
+                <a16:creationId xmlns:a16="http://schemas.microsoft.com/office/drawing/2014/main" id="{91F83B6B-D8A8-FC53-4C9E-A16AB5C3B503}"/>
+              </a:ext>
+            </a:extLst>
+          </p:cNvPr>
+          <p:cNvSpPr txBox="1"/>
+          <p:nvPr/>
+        </p:nvSpPr>
+        <p:spPr>
+          <a:xfrm>
+            <a:off x="1505045" y="4170468"/>
+            <a:ext cx="1149711" cy="253916"/>
+          </a:xfrm>
+          <a:prstGeom prst="rect">
+            <a:avLst/>
+          </a:prstGeom>
+          <a:noFill/>
+        </p:spPr>
+        <p:txBody>
+          <a:bodyPr wrap="square">
+            <a:spAutoFit/>
+          </a:bodyPr>
+          <a:lstStyle/>
+          <a:p>
+            <a:r>
+              <a:rPr lang="en-US" sz="1050" b="0" dirty="0" err="1">
+                <a:effectLst/>
+                <a:latin typeface="Menlo" panose="020B0609030804020204" pitchFamily="49" charset="0"/>
+              </a:rPr>
+              <a:t>Road.py</a:t>
+            </a:r>
+            <a:endParaRPr lang="en-SG" sz="1050" b="0" dirty="0">
+              <a:effectLst/>
+              <a:latin typeface="Menlo" panose="020B0609030804020204" pitchFamily="49" charset="0"/>
+            </a:endParaRPr>
+          </a:p>
+        </p:txBody>
+      </p:sp>
+      <p:sp>
+        <p:nvSpPr>
+          <p:cNvPr id="45" name="TextBox 44">
+            <a:extLst>
+              <a:ext uri="{FF2B5EF4-FFF2-40B4-BE49-F238E27FC236}">
+                <a16:creationId xmlns:a16="http://schemas.microsoft.com/office/drawing/2014/main" id="{16703D07-A464-6C22-4DCE-4C2BD6A1DB8B}"/>
+              </a:ext>
+            </a:extLst>
+          </p:cNvPr>
+          <p:cNvSpPr txBox="1"/>
+          <p:nvPr/>
+        </p:nvSpPr>
+        <p:spPr>
+          <a:xfrm>
+            <a:off x="3468711" y="4170468"/>
+            <a:ext cx="6375400" cy="261610"/>
+          </a:xfrm>
+          <a:prstGeom prst="rect">
+            <a:avLst/>
+          </a:prstGeom>
+          <a:noFill/>
+        </p:spPr>
+        <p:txBody>
+          <a:bodyPr wrap="square">
+            <a:spAutoFit/>
+          </a:bodyPr>
+          <a:lstStyle>
+            <a:defPPr>
+              <a:defRPr lang="en-US"/>
+            </a:defPPr>
+            <a:lvl1pPr>
+              <a:defRPr sz="1100" b="0">
+                <a:effectLst/>
+                <a:latin typeface="Menlo" panose="020B0609030804020204" pitchFamily="49" charset="0"/>
+              </a:defRPr>
+            </a:lvl1pPr>
+          </a:lstStyle>
+          <a:p>
+            <a:r>
+              <a:rPr lang="en-SG" dirty="0"/>
+              <a:t>def </a:t>
+            </a:r>
+            <a:r>
+              <a:rPr lang="en-SG" dirty="0" err="1"/>
+              <a:t>reward_info_function</a:t>
+            </a:r>
+            <a:endParaRPr lang="en-SG" dirty="0"/>
+          </a:p>
+        </p:txBody>
+      </p:sp>
+      <p:sp>
+        <p:nvSpPr>
+          <p:cNvPr id="47" name="TextBox 46">
+            <a:extLst>
+              <a:ext uri="{FF2B5EF4-FFF2-40B4-BE49-F238E27FC236}">
+                <a16:creationId xmlns:a16="http://schemas.microsoft.com/office/drawing/2014/main" id="{1E420486-F42D-6661-3B26-47F960F1527D}"/>
+              </a:ext>
+            </a:extLst>
+          </p:cNvPr>
+          <p:cNvSpPr txBox="1"/>
+          <p:nvPr/>
+        </p:nvSpPr>
+        <p:spPr>
+          <a:xfrm>
+            <a:off x="3542728" y="4378376"/>
+            <a:ext cx="6375400" cy="276999"/>
+          </a:xfrm>
+          <a:prstGeom prst="rect">
+            <a:avLst/>
+          </a:prstGeom>
+          <a:noFill/>
+        </p:spPr>
+        <p:txBody>
+          <a:bodyPr wrap="square">
+            <a:spAutoFit/>
+          </a:bodyPr>
+          <a:lstStyle/>
+          <a:p>
+            <a:r>
+              <a:rPr lang="en-SG" sz="1200" b="0" dirty="0">
+                <a:solidFill>
+                  <a:srgbClr val="C586C0"/>
+                </a:solidFill>
+                <a:effectLst/>
+                <a:latin typeface="Menlo" panose="020B0609030804020204" pitchFamily="49" charset="0"/>
+              </a:rPr>
+              <a:t>Return {}</a:t>
+            </a:r>
+            <a:endParaRPr lang="en-SG" sz="1200" b="0" dirty="0">
+              <a:solidFill>
+                <a:srgbClr val="CCCCCC"/>
+              </a:solidFill>
+              <a:effectLst/>
+              <a:latin typeface="Menlo" panose="020B0609030804020204" pitchFamily="49" charset="0"/>
+            </a:endParaRPr>
+          </a:p>
+        </p:txBody>
+      </p:sp>
+      <p:sp>
+        <p:nvSpPr>
+          <p:cNvPr id="49" name="TextBox 48">
+            <a:extLst>
+              <a:ext uri="{FF2B5EF4-FFF2-40B4-BE49-F238E27FC236}">
+                <a16:creationId xmlns:a16="http://schemas.microsoft.com/office/drawing/2014/main" id="{71E9EA78-CB44-FD49-2872-20F3990BCF5F}"/>
+              </a:ext>
+            </a:extLst>
+          </p:cNvPr>
+          <p:cNvSpPr txBox="1"/>
+          <p:nvPr/>
+        </p:nvSpPr>
+        <p:spPr>
+          <a:xfrm>
+            <a:off x="3381783" y="4614662"/>
+            <a:ext cx="6375400" cy="369332"/>
+          </a:xfrm>
+          <a:prstGeom prst="rect">
+            <a:avLst/>
+          </a:prstGeom>
+          <a:noFill/>
+        </p:spPr>
+        <p:txBody>
+          <a:bodyPr wrap="square">
+            <a:spAutoFit/>
+          </a:bodyPr>
+          <a:lstStyle/>
+          <a:p>
+            <a:r>
+              <a:rPr lang="en-SG" sz="900" b="0" dirty="0">
+                <a:solidFill>
+                  <a:srgbClr val="CE9178"/>
+                </a:solidFill>
+                <a:effectLst/>
+                <a:latin typeface="Menlo" panose="020B0609030804020204" pitchFamily="49" charset="0"/>
+              </a:rPr>
+              <a:t>'f2POI_dis_avg’</a:t>
+            </a:r>
+            <a:r>
+              <a:rPr lang="en-SG" sz="900" b="0" dirty="0">
+                <a:solidFill>
+                  <a:srgbClr val="CCCCCC"/>
+                </a:solidFill>
+                <a:effectLst/>
+                <a:latin typeface="Menlo" panose="020B0609030804020204" pitchFamily="49" charset="0"/>
+              </a:rPr>
+              <a:t>:</a:t>
+            </a:r>
+          </a:p>
+          <a:p>
+            <a:r>
+              <a:rPr lang="en-SG" sz="900" b="0" dirty="0">
+                <a:solidFill>
+                  <a:srgbClr val="9CDCFE"/>
+                </a:solidFill>
+                <a:effectLst/>
+                <a:latin typeface="Menlo" panose="020B0609030804020204" pitchFamily="49" charset="0"/>
+              </a:rPr>
+              <a:t>mg</a:t>
+            </a:r>
+            <a:r>
+              <a:rPr lang="en-SG" sz="900" b="0" dirty="0">
+                <a:solidFill>
+                  <a:srgbClr val="CCCCCC"/>
+                </a:solidFill>
+                <a:effectLst/>
+                <a:latin typeface="Menlo" panose="020B0609030804020204" pitchFamily="49" charset="0"/>
+              </a:rPr>
+              <a:t>.f2POI_avg, (old: taking the edge) </a:t>
+            </a:r>
+          </a:p>
+        </p:txBody>
+      </p:sp>
+      <p:sp>
+        <p:nvSpPr>
+          <p:cNvPr id="51" name="TextBox 50">
+            <a:extLst>
+              <a:ext uri="{FF2B5EF4-FFF2-40B4-BE49-F238E27FC236}">
+                <a16:creationId xmlns:a16="http://schemas.microsoft.com/office/drawing/2014/main" id="{F3B7D092-BAA5-B7F4-956E-CCD34D973720}"/>
+              </a:ext>
+            </a:extLst>
+          </p:cNvPr>
+          <p:cNvSpPr txBox="1"/>
+          <p:nvPr/>
+        </p:nvSpPr>
+        <p:spPr>
+          <a:xfrm>
+            <a:off x="3373563" y="5034565"/>
+            <a:ext cx="3171260" cy="369332"/>
+          </a:xfrm>
+          <a:prstGeom prst="rect">
+            <a:avLst/>
+          </a:prstGeom>
+          <a:noFill/>
+        </p:spPr>
+        <p:txBody>
+          <a:bodyPr wrap="square">
+            <a:spAutoFit/>
+          </a:bodyPr>
+          <a:lstStyle/>
+          <a:p>
+            <a:r>
+              <a:rPr lang="en-SG" sz="900" b="0" dirty="0">
+                <a:solidFill>
+                  <a:srgbClr val="6A9955"/>
+                </a:solidFill>
+                <a:effectLst/>
+                <a:latin typeface="Menlo" panose="020B0609030804020204" pitchFamily="49" charset="0"/>
+              </a:rPr>
+              <a:t>'f2POI_avg_EachCat_mean':mg.f2POI_avg_EachCat_mean </a:t>
+            </a:r>
+            <a:endParaRPr lang="en-SG" sz="900" b="0" dirty="0">
+              <a:solidFill>
+                <a:srgbClr val="CCCCCC"/>
+              </a:solidFill>
+              <a:effectLst/>
+              <a:latin typeface="Menlo" panose="020B0609030804020204" pitchFamily="49" charset="0"/>
+            </a:endParaRPr>
+          </a:p>
+        </p:txBody>
+      </p:sp>
     </p:spTree>
     <p:extLst>
       <p:ext uri="{BB962C8B-B14F-4D97-AF65-F5344CB8AC3E}">
         <p14:creationId xmlns:p14="http://schemas.microsoft.com/office/powerpoint/2010/main" val="2752740362"/>
+      </p:ext>
+    </p:extLst>
+  </p:cSld>
+  <p:clrMapOvr>
+    <a:masterClrMapping/>
+  </p:clrMapOvr>
+</p:sld>
+</file>
+
+<file path=ppt/slides/slide5.xml><?xml version="1.0" encoding="utf-8"?>
+<p:sld xmlns:a="http://schemas.openxmlformats.org/drawingml/2006/main" xmlns:r="http://schemas.openxmlformats.org/officeDocument/2006/relationships" xmlns:p="http://schemas.openxmlformats.org/presentationml/2006/main">
+  <p:cSld>
+    <p:spTree>
+      <p:nvGrpSpPr>
+        <p:cNvPr id="1" name=""/>
+        <p:cNvGrpSpPr/>
+        <p:nvPr/>
+      </p:nvGrpSpPr>
+      <p:grpSpPr>
+        <a:xfrm>
+          <a:off x="0" y="0"/>
+          <a:ext cx="0" cy="0"/>
+          <a:chOff x="0" y="0"/>
+          <a:chExt cx="0" cy="0"/>
+        </a:xfrm>
+      </p:grpSpPr>
+      <p:sp>
+        <p:nvSpPr>
+          <p:cNvPr id="5" name="TextBox 4">
+            <a:extLst>
+              <a:ext uri="{FF2B5EF4-FFF2-40B4-BE49-F238E27FC236}">
+                <a16:creationId xmlns:a16="http://schemas.microsoft.com/office/drawing/2014/main" id="{9D982E40-04E9-E13A-44B8-5F886EBDD394}"/>
+              </a:ext>
+            </a:extLst>
+          </p:cNvPr>
+          <p:cNvSpPr txBox="1"/>
+          <p:nvPr/>
+        </p:nvSpPr>
+        <p:spPr>
+          <a:xfrm>
+            <a:off x="2373923" y="2822303"/>
+            <a:ext cx="6098344" cy="369332"/>
+          </a:xfrm>
+          <a:prstGeom prst="rect">
+            <a:avLst/>
+          </a:prstGeom>
+          <a:noFill/>
+        </p:spPr>
+        <p:txBody>
+          <a:bodyPr wrap="square">
+            <a:spAutoFit/>
+          </a:bodyPr>
+          <a:lstStyle/>
+          <a:p>
+            <a:r>
+              <a:rPr lang="en-US" dirty="0" err="1"/>
+              <a:t>eval_R_eps</a:t>
+            </a:r>
+            <a:endParaRPr lang="en-US" dirty="0"/>
+          </a:p>
+        </p:txBody>
+      </p:sp>
+      <p:sp>
+        <p:nvSpPr>
+          <p:cNvPr id="7" name="TextBox 6">
+            <a:extLst>
+              <a:ext uri="{FF2B5EF4-FFF2-40B4-BE49-F238E27FC236}">
+                <a16:creationId xmlns:a16="http://schemas.microsoft.com/office/drawing/2014/main" id="{1F4BF0BF-3500-CEC3-98AE-9C97099AD0F0}"/>
+              </a:ext>
+            </a:extLst>
+          </p:cNvPr>
+          <p:cNvSpPr txBox="1"/>
+          <p:nvPr/>
+        </p:nvSpPr>
+        <p:spPr>
+          <a:xfrm>
+            <a:off x="4209757" y="976756"/>
+            <a:ext cx="6098344" cy="923330"/>
+          </a:xfrm>
+          <a:prstGeom prst="rect">
+            <a:avLst/>
+          </a:prstGeom>
+          <a:noFill/>
+        </p:spPr>
+        <p:txBody>
+          <a:bodyPr wrap="square">
+            <a:spAutoFit/>
+          </a:bodyPr>
+          <a:lstStyle/>
+          <a:p>
+            <a:r>
+              <a:rPr lang="en-SG" b="0" dirty="0" err="1">
+                <a:solidFill>
+                  <a:srgbClr val="9CDCFE"/>
+                </a:solidFill>
+                <a:effectLst/>
+                <a:latin typeface="Menlo" panose="020B0609030804020204" pitchFamily="49" charset="0"/>
+              </a:rPr>
+              <a:t>self</a:t>
+            </a:r>
+            <a:r>
+              <a:rPr lang="en-SG" b="0" dirty="0" err="1">
+                <a:solidFill>
+                  <a:srgbClr val="CCCCCC"/>
+                </a:solidFill>
+                <a:effectLst/>
+                <a:latin typeface="Menlo" panose="020B0609030804020204" pitchFamily="49" charset="0"/>
+              </a:rPr>
+              <a:t>.</a:t>
+            </a:r>
+            <a:r>
+              <a:rPr lang="en-SG" b="0" dirty="0" err="1">
+                <a:solidFill>
+                  <a:srgbClr val="9CDCFE"/>
+                </a:solidFill>
+                <a:effectLst/>
+                <a:latin typeface="Menlo" panose="020B0609030804020204" pitchFamily="49" charset="0"/>
+              </a:rPr>
+              <a:t>stats_loggers</a:t>
+            </a:r>
+            <a:r>
+              <a:rPr lang="en-SG" b="0" dirty="0">
+                <a:solidFill>
+                  <a:srgbClr val="CCCCCC"/>
+                </a:solidFill>
+                <a:effectLst/>
+                <a:latin typeface="Menlo" panose="020B0609030804020204" pitchFamily="49" charset="0"/>
+              </a:rPr>
+              <a:t>[</a:t>
+            </a:r>
+            <a:r>
+              <a:rPr lang="en-SG" b="0" dirty="0">
+                <a:solidFill>
+                  <a:srgbClr val="CE9178"/>
+                </a:solidFill>
+                <a:effectLst/>
+                <a:latin typeface="Menlo" panose="020B0609030804020204" pitchFamily="49" charset="0"/>
+              </a:rPr>
+              <a:t>'</a:t>
+            </a:r>
+            <a:r>
+              <a:rPr lang="en-SG" b="0" dirty="0" err="1">
+                <a:solidFill>
+                  <a:srgbClr val="CE9178"/>
+                </a:solidFill>
+                <a:effectLst/>
+                <a:latin typeface="Menlo" panose="020B0609030804020204" pitchFamily="49" charset="0"/>
+              </a:rPr>
+              <a:t>episode_reward_avg</a:t>
+            </a:r>
+            <a:r>
+              <a:rPr lang="en-SG" b="0" dirty="0">
+                <a:solidFill>
+                  <a:srgbClr val="CE9178"/>
+                </a:solidFill>
+                <a:effectLst/>
+                <a:latin typeface="Menlo" panose="020B0609030804020204" pitchFamily="49" charset="0"/>
+              </a:rPr>
+              <a:t>'</a:t>
+            </a:r>
+            <a:r>
+              <a:rPr lang="en-SG" b="0" dirty="0">
+                <a:solidFill>
+                  <a:srgbClr val="CCCCCC"/>
+                </a:solidFill>
+                <a:effectLst/>
+                <a:latin typeface="Menlo" panose="020B0609030804020204" pitchFamily="49" charset="0"/>
+              </a:rPr>
+              <a:t>].</a:t>
+            </a:r>
+            <a:r>
+              <a:rPr lang="en-SG" b="0" dirty="0">
+                <a:solidFill>
+                  <a:srgbClr val="DCDCAA"/>
+                </a:solidFill>
+                <a:effectLst/>
+                <a:latin typeface="Menlo" panose="020B0609030804020204" pitchFamily="49" charset="0"/>
+              </a:rPr>
+              <a:t>log</a:t>
+            </a:r>
+            <a:r>
+              <a:rPr lang="en-SG" b="0" dirty="0">
+                <a:solidFill>
+                  <a:srgbClr val="CCCCCC"/>
+                </a:solidFill>
+                <a:effectLst/>
+                <a:latin typeface="Menlo" panose="020B0609030804020204" pitchFamily="49" charset="0"/>
+              </a:rPr>
+              <a:t>(</a:t>
+            </a:r>
+            <a:r>
+              <a:rPr lang="en-SG" b="0" dirty="0">
+                <a:solidFill>
+                  <a:srgbClr val="D4D4D4"/>
+                </a:solidFill>
+                <a:effectLst/>
+                <a:latin typeface="Menlo" panose="020B0609030804020204" pitchFamily="49" charset="0"/>
+              </a:rPr>
+              <a:t>-</a:t>
+            </a:r>
+            <a:r>
+              <a:rPr lang="en-SG" b="0" dirty="0">
+                <a:solidFill>
+                  <a:srgbClr val="B5CEA8"/>
+                </a:solidFill>
+                <a:effectLst/>
+                <a:latin typeface="Menlo" panose="020B0609030804020204" pitchFamily="49" charset="0"/>
+              </a:rPr>
+              <a:t>0.9</a:t>
+            </a:r>
+            <a:r>
+              <a:rPr lang="en-SG" b="0" dirty="0">
+                <a:solidFill>
+                  <a:srgbClr val="D4D4D4"/>
+                </a:solidFill>
+                <a:effectLst/>
+                <a:latin typeface="Menlo" panose="020B0609030804020204" pitchFamily="49" charset="0"/>
+              </a:rPr>
+              <a:t>*</a:t>
+            </a:r>
+            <a:r>
+              <a:rPr lang="en-SG" b="0" dirty="0">
+                <a:solidFill>
+                  <a:srgbClr val="9CDCFE"/>
+                </a:solidFill>
+                <a:effectLst/>
+                <a:latin typeface="Menlo" panose="020B0609030804020204" pitchFamily="49" charset="0"/>
+              </a:rPr>
+              <a:t>info</a:t>
+            </a:r>
+            <a:r>
+              <a:rPr lang="en-SG" b="0" dirty="0">
+                <a:solidFill>
+                  <a:srgbClr val="CCCCCC"/>
+                </a:solidFill>
+                <a:effectLst/>
+                <a:latin typeface="Menlo" panose="020B0609030804020204" pitchFamily="49" charset="0"/>
+              </a:rPr>
+              <a:t>[</a:t>
+            </a:r>
+            <a:r>
+              <a:rPr lang="en-SG" b="0" dirty="0">
+                <a:solidFill>
+                  <a:srgbClr val="CE9178"/>
+                </a:solidFill>
+                <a:effectLst/>
+                <a:latin typeface="Menlo" panose="020B0609030804020204" pitchFamily="49" charset="0"/>
+              </a:rPr>
+              <a:t>'f2f_dis_avg'</a:t>
+            </a:r>
+            <a:r>
+              <a:rPr lang="en-SG" b="0" dirty="0">
+                <a:solidFill>
+                  <a:srgbClr val="CCCCCC"/>
+                </a:solidFill>
+                <a:effectLst/>
+                <a:latin typeface="Menlo" panose="020B0609030804020204" pitchFamily="49" charset="0"/>
+              </a:rPr>
+              <a:t>] </a:t>
+            </a:r>
+            <a:r>
+              <a:rPr lang="en-SG" b="0" dirty="0">
+                <a:solidFill>
+                  <a:srgbClr val="D4D4D4"/>
+                </a:solidFill>
+                <a:effectLst/>
+                <a:latin typeface="Menlo" panose="020B0609030804020204" pitchFamily="49" charset="0"/>
+              </a:rPr>
+              <a:t>-</a:t>
+            </a:r>
+            <a:r>
+              <a:rPr lang="en-SG" b="0" dirty="0">
+                <a:solidFill>
+                  <a:srgbClr val="CCCCCC"/>
+                </a:solidFill>
+                <a:effectLst/>
+                <a:latin typeface="Menlo" panose="020B0609030804020204" pitchFamily="49" charset="0"/>
+              </a:rPr>
+              <a:t> </a:t>
+            </a:r>
+            <a:r>
+              <a:rPr lang="en-SG" b="0" dirty="0">
+                <a:solidFill>
+                  <a:srgbClr val="B5CEA8"/>
+                </a:solidFill>
+                <a:effectLst/>
+                <a:latin typeface="Menlo" panose="020B0609030804020204" pitchFamily="49" charset="0"/>
+              </a:rPr>
+              <a:t>0.1</a:t>
+            </a:r>
+            <a:r>
+              <a:rPr lang="en-SG" b="0" dirty="0">
+                <a:solidFill>
+                  <a:srgbClr val="D4D4D4"/>
+                </a:solidFill>
+                <a:effectLst/>
+                <a:latin typeface="Menlo" panose="020B0609030804020204" pitchFamily="49" charset="0"/>
+              </a:rPr>
+              <a:t>*</a:t>
+            </a:r>
+            <a:r>
+              <a:rPr lang="en-SG" b="0" dirty="0">
+                <a:solidFill>
+                  <a:srgbClr val="9CDCFE"/>
+                </a:solidFill>
+                <a:effectLst/>
+                <a:latin typeface="Menlo" panose="020B0609030804020204" pitchFamily="49" charset="0"/>
+              </a:rPr>
+              <a:t>info</a:t>
+            </a:r>
+            <a:r>
+              <a:rPr lang="en-SG" b="0" dirty="0">
+                <a:solidFill>
+                  <a:srgbClr val="CCCCCC"/>
+                </a:solidFill>
+                <a:effectLst/>
+                <a:latin typeface="Menlo" panose="020B0609030804020204" pitchFamily="49" charset="0"/>
+              </a:rPr>
+              <a:t>[</a:t>
+            </a:r>
+            <a:r>
+              <a:rPr lang="en-SG" b="0" dirty="0">
+                <a:solidFill>
+                  <a:srgbClr val="CE9178"/>
+                </a:solidFill>
+                <a:effectLst/>
+                <a:latin typeface="Menlo" panose="020B0609030804020204" pitchFamily="49" charset="0"/>
+              </a:rPr>
+              <a:t>'</a:t>
+            </a:r>
+            <a:r>
+              <a:rPr lang="en-SG" b="0" dirty="0" err="1">
+                <a:solidFill>
+                  <a:srgbClr val="CE9178"/>
+                </a:solidFill>
+                <a:effectLst/>
+                <a:latin typeface="Menlo" panose="020B0609030804020204" pitchFamily="49" charset="0"/>
+              </a:rPr>
+              <a:t>total_road_cost</a:t>
+            </a:r>
+            <a:r>
+              <a:rPr lang="en-SG" b="0" dirty="0">
+                <a:solidFill>
+                  <a:srgbClr val="CE9178"/>
+                </a:solidFill>
+                <a:effectLst/>
+                <a:latin typeface="Menlo" panose="020B0609030804020204" pitchFamily="49" charset="0"/>
+              </a:rPr>
+              <a:t>'</a:t>
+            </a:r>
+            <a:r>
+              <a:rPr lang="en-SG" b="0" dirty="0">
+                <a:solidFill>
+                  <a:srgbClr val="CCCCCC"/>
+                </a:solidFill>
+                <a:effectLst/>
+                <a:latin typeface="Menlo" panose="020B0609030804020204" pitchFamily="49" charset="0"/>
+              </a:rPr>
+              <a:t>])</a:t>
+            </a:r>
+          </a:p>
+        </p:txBody>
+      </p:sp>
+    </p:spTree>
+    <p:extLst>
+      <p:ext uri="{BB962C8B-B14F-4D97-AF65-F5344CB8AC3E}">
+        <p14:creationId xmlns:p14="http://schemas.microsoft.com/office/powerpoint/2010/main" val="407516271"/>
+      </p:ext>
+    </p:extLst>
+  </p:cSld>
+  <p:clrMapOvr>
+    <a:masterClrMapping/>
+  </p:clrMapOvr>
+</p:sld>
+</file>
+
+<file path=ppt/slides/slide6.xml><?xml version="1.0" encoding="utf-8"?>
+<p:sld xmlns:a="http://schemas.openxmlformats.org/drawingml/2006/main" xmlns:r="http://schemas.openxmlformats.org/officeDocument/2006/relationships" xmlns:p="http://schemas.openxmlformats.org/presentationml/2006/main">
+  <p:cSld>
+    <p:spTree>
+      <p:nvGrpSpPr>
+        <p:cNvPr id="1" name=""/>
+        <p:cNvGrpSpPr/>
+        <p:nvPr/>
+      </p:nvGrpSpPr>
+      <p:grpSpPr>
+        <a:xfrm>
+          <a:off x="0" y="0"/>
+          <a:ext cx="0" cy="0"/>
+          <a:chOff x="0" y="0"/>
+          <a:chExt cx="0" cy="0"/>
+        </a:xfrm>
+      </p:grpSpPr>
+      <p:pic>
+        <p:nvPicPr>
+          <p:cNvPr id="4" name="Picture 3">
+            <a:extLst>
+              <a:ext uri="{FF2B5EF4-FFF2-40B4-BE49-F238E27FC236}">
+                <a16:creationId xmlns:a16="http://schemas.microsoft.com/office/drawing/2014/main" id="{A0D87AD9-0E7B-36A7-0FD6-867F48007A95}"/>
+              </a:ext>
+            </a:extLst>
+          </p:cNvPr>
+          <p:cNvPicPr>
+            <a:picLocks noChangeAspect="1"/>
+          </p:cNvPicPr>
+          <p:nvPr/>
+        </p:nvPicPr>
+        <p:blipFill>
+          <a:blip r:embed="rId2"/>
+          <a:stretch>
+            <a:fillRect/>
+          </a:stretch>
+        </p:blipFill>
+        <p:spPr>
+          <a:xfrm>
+            <a:off x="285675" y="454808"/>
+            <a:ext cx="11292247" cy="4909672"/>
+          </a:xfrm>
+          <a:prstGeom prst="rect">
+            <a:avLst/>
+          </a:prstGeom>
+        </p:spPr>
+      </p:pic>
+    </p:spTree>
+    <p:extLst>
+      <p:ext uri="{BB962C8B-B14F-4D97-AF65-F5344CB8AC3E}">
+        <p14:creationId xmlns:p14="http://schemas.microsoft.com/office/powerpoint/2010/main" val="1907725568"/>
+      </p:ext>
+    </p:extLst>
+  </p:cSld>
+  <p:clrMapOvr>
+    <a:masterClrMapping/>
+  </p:clrMapOvr>
+</p:sld>
+</file>
+
+<file path=ppt/slides/slide7.xml><?xml version="1.0" encoding="utf-8"?>
+<p:sld xmlns:a="http://schemas.openxmlformats.org/drawingml/2006/main" xmlns:r="http://schemas.openxmlformats.org/officeDocument/2006/relationships" xmlns:p="http://schemas.openxmlformats.org/presentationml/2006/main">
+  <p:cSld>
+    <p:spTree>
+      <p:nvGrpSpPr>
+        <p:cNvPr id="1" name=""/>
+        <p:cNvGrpSpPr/>
+        <p:nvPr/>
+      </p:nvGrpSpPr>
+      <p:grpSpPr>
+        <a:xfrm>
+          <a:off x="0" y="0"/>
+          <a:ext cx="0" cy="0"/>
+          <a:chOff x="0" y="0"/>
+          <a:chExt cx="0" cy="0"/>
+        </a:xfrm>
+      </p:grpSpPr>
+      <p:sp>
+        <p:nvSpPr>
+          <p:cNvPr id="5" name="TextBox 4">
+            <a:extLst>
+              <a:ext uri="{FF2B5EF4-FFF2-40B4-BE49-F238E27FC236}">
+                <a16:creationId xmlns:a16="http://schemas.microsoft.com/office/drawing/2014/main" id="{5ADB54CF-57E6-C571-3243-57630121CADE}"/>
+              </a:ext>
+            </a:extLst>
+          </p:cNvPr>
+          <p:cNvSpPr txBox="1"/>
+          <p:nvPr/>
+        </p:nvSpPr>
+        <p:spPr>
+          <a:xfrm>
+            <a:off x="292608" y="283756"/>
+            <a:ext cx="6096000" cy="1200329"/>
+          </a:xfrm>
+          <a:prstGeom prst="rect">
+            <a:avLst/>
+          </a:prstGeom>
+          <a:noFill/>
+        </p:spPr>
+        <p:txBody>
+          <a:bodyPr wrap="square">
+            <a:spAutoFit/>
+          </a:bodyPr>
+          <a:lstStyle/>
+          <a:p>
+            <a:pPr algn="l">
+              <a:buFont typeface="+mj-lt"/>
+              <a:buAutoNum type="arabicPeriod"/>
+            </a:pPr>
+            <a:r>
+              <a:rPr lang="ja-JP" altLang="en-US" b="1" i="0">
+                <a:solidFill>
+                  <a:srgbClr val="CCCCCC"/>
+                </a:solidFill>
+                <a:effectLst/>
+                <a:latin typeface="-apple-system"/>
+              </a:rPr>
+              <a:t>恢复模型状态</a:t>
+            </a:r>
+            <a:r>
+              <a:rPr lang="ja-JP" altLang="en-US" b="0" i="0">
+                <a:solidFill>
+                  <a:srgbClr val="CCCCCC"/>
+                </a:solidFill>
+                <a:effectLst/>
+                <a:latin typeface="-apple-system"/>
+              </a:rPr>
+              <a:t>：</a:t>
+            </a:r>
+          </a:p>
+          <a:p>
+            <a:pPr marL="742950" lvl="1" indent="-285750" algn="l">
+              <a:buFont typeface="+mj-lt"/>
+              <a:buAutoNum type="arabicPeriod"/>
+            </a:pPr>
+            <a:r>
+              <a:rPr lang="en-SG" b="0" i="0" u="none" strike="noStrike" dirty="0">
+                <a:solidFill>
+                  <a:srgbClr val="CCCCCC"/>
+                </a:solidFill>
+                <a:effectLst/>
+                <a:latin typeface="-apple-system"/>
+                <a:hlinkClick r:id="rId2" tooltip="Go to definition"/>
+              </a:rPr>
+              <a:t>self.actor_critic_net.load_state_dict(model_cp['actor_critic_dict'])</a:t>
+            </a:r>
+            <a:r>
+              <a:rPr lang="en-SG" b="0" i="0" dirty="0">
+                <a:solidFill>
+                  <a:srgbClr val="CCCCCC"/>
+                </a:solidFill>
+                <a:effectLst/>
+                <a:latin typeface="-apple-system"/>
+              </a:rPr>
+              <a:t>：</a:t>
+            </a:r>
+            <a:r>
+              <a:rPr lang="ja-JP" altLang="en-US" b="0" i="0">
+                <a:solidFill>
+                  <a:srgbClr val="CCCCCC"/>
+                </a:solidFill>
+                <a:effectLst/>
+                <a:latin typeface="-apple-system"/>
+              </a:rPr>
+              <a:t>加载模型的状态字典。</a:t>
+            </a:r>
+          </a:p>
+          <a:p>
+            <a:pPr marL="742950" lvl="1" indent="-285750" algn="l">
+              <a:buFont typeface="+mj-lt"/>
+              <a:buAutoNum type="arabicPeriod"/>
+            </a:pPr>
+            <a:r>
+              <a:rPr lang="en-SG" b="0" i="0" u="none" strike="noStrike" dirty="0">
+                <a:solidFill>
+                  <a:srgbClr val="CCCCCC"/>
+                </a:solidFill>
+                <a:effectLst/>
+                <a:latin typeface="-apple-system"/>
+                <a:hlinkClick r:id="rId2" tooltip="Go to definition"/>
+              </a:rPr>
+              <a:t>self.loss_iter = model_cp['loss_iter']</a:t>
+            </a:r>
+            <a:r>
+              <a:rPr lang="en-SG" b="0" i="0" dirty="0">
+                <a:solidFill>
+                  <a:srgbClr val="CCCCCC"/>
+                </a:solidFill>
+                <a:effectLst/>
+                <a:latin typeface="-apple-system"/>
+              </a:rPr>
+              <a:t>：</a:t>
+            </a:r>
+            <a:r>
+              <a:rPr lang="ja-JP" altLang="en-US" b="0" i="0">
+                <a:solidFill>
+                  <a:srgbClr val="CCCCCC"/>
+                </a:solidFill>
+                <a:effectLst/>
+                <a:latin typeface="-apple-system"/>
+              </a:rPr>
+              <a:t>恢复损失迭代器。</a:t>
+            </a:r>
+          </a:p>
+        </p:txBody>
+      </p:sp>
+    </p:spTree>
+    <p:extLst>
+      <p:ext uri="{BB962C8B-B14F-4D97-AF65-F5344CB8AC3E}">
+        <p14:creationId xmlns:p14="http://schemas.microsoft.com/office/powerpoint/2010/main" val="1120431393"/>
+      </p:ext>
+    </p:extLst>
+  </p:cSld>
+  <p:clrMapOvr>
+    <a:masterClrMapping/>
+  </p:clrMapOvr>
+</p:sld>
+</file>
+
+<file path=ppt/slides/slide8.xml><?xml version="1.0" encoding="utf-8"?>
+<p:sld xmlns:a="http://schemas.openxmlformats.org/drawingml/2006/main" xmlns:r="http://schemas.openxmlformats.org/officeDocument/2006/relationships" xmlns:p="http://schemas.openxmlformats.org/presentationml/2006/main">
+  <p:cSld>
+    <p:spTree>
+      <p:nvGrpSpPr>
+        <p:cNvPr id="1" name=""/>
+        <p:cNvGrpSpPr/>
+        <p:nvPr/>
+      </p:nvGrpSpPr>
+      <p:grpSpPr>
+        <a:xfrm>
+          <a:off x="0" y="0"/>
+          <a:ext cx="0" cy="0"/>
+          <a:chOff x="0" y="0"/>
+          <a:chExt cx="0" cy="0"/>
+        </a:xfrm>
+      </p:grpSpPr>
+      <p:pic>
+        <p:nvPicPr>
+          <p:cNvPr id="4" name="Picture 3">
+            <a:extLst>
+              <a:ext uri="{FF2B5EF4-FFF2-40B4-BE49-F238E27FC236}">
+                <a16:creationId xmlns:a16="http://schemas.microsoft.com/office/drawing/2014/main" id="{6DF1002C-21D7-4FB1-3E42-845B163BF987}"/>
+              </a:ext>
+            </a:extLst>
+          </p:cNvPr>
+          <p:cNvPicPr>
+            <a:picLocks noChangeAspect="1"/>
+          </p:cNvPicPr>
+          <p:nvPr/>
+        </p:nvPicPr>
+        <p:blipFill>
+          <a:blip r:embed="rId2"/>
+          <a:stretch>
+            <a:fillRect/>
+          </a:stretch>
+        </p:blipFill>
+        <p:spPr>
+          <a:xfrm>
+            <a:off x="356616" y="450053"/>
+            <a:ext cx="7772400" cy="1983302"/>
+          </a:xfrm>
+          <a:prstGeom prst="rect">
+            <a:avLst/>
+          </a:prstGeom>
+        </p:spPr>
+      </p:pic>
+    </p:spTree>
+    <p:extLst>
+      <p:ext uri="{BB962C8B-B14F-4D97-AF65-F5344CB8AC3E}">
+        <p14:creationId xmlns:p14="http://schemas.microsoft.com/office/powerpoint/2010/main" val="932848347"/>
+      </p:ext>
+    </p:extLst>
+  </p:cSld>
+  <p:clrMapOvr>
+    <a:masterClrMapping/>
+  </p:clrMapOvr>
+</p:sld>
+</file>
+
+<file path=ppt/slides/slide9.xml><?xml version="1.0" encoding="utf-8"?>
+<p:sld xmlns:a="http://schemas.openxmlformats.org/drawingml/2006/main" xmlns:r="http://schemas.openxmlformats.org/officeDocument/2006/relationships" xmlns:p="http://schemas.openxmlformats.org/presentationml/2006/main">
+  <p:cSld>
+    <p:spTree>
+      <p:nvGrpSpPr>
+        <p:cNvPr id="1" name=""/>
+        <p:cNvGrpSpPr/>
+        <p:nvPr/>
+      </p:nvGrpSpPr>
+      <p:grpSpPr>
+        <a:xfrm>
+          <a:off x="0" y="0"/>
+          <a:ext cx="0" cy="0"/>
+          <a:chOff x="0" y="0"/>
+          <a:chExt cx="0" cy="0"/>
+        </a:xfrm>
+      </p:grpSpPr>
+      <p:sp>
+        <p:nvSpPr>
+          <p:cNvPr id="5" name="TextBox 4">
+            <a:extLst>
+              <a:ext uri="{FF2B5EF4-FFF2-40B4-BE49-F238E27FC236}">
+                <a16:creationId xmlns:a16="http://schemas.microsoft.com/office/drawing/2014/main" id="{784EF266-258A-5267-8669-2A8F1B2BBCEB}"/>
+              </a:ext>
+            </a:extLst>
+          </p:cNvPr>
+          <p:cNvSpPr txBox="1"/>
+          <p:nvPr/>
+        </p:nvSpPr>
+        <p:spPr>
+          <a:xfrm>
+            <a:off x="1111468" y="2822194"/>
+            <a:ext cx="9451427" cy="2308324"/>
+          </a:xfrm>
+          <a:prstGeom prst="rect">
+            <a:avLst/>
+          </a:prstGeom>
+          <a:noFill/>
+        </p:spPr>
+        <p:txBody>
+          <a:bodyPr wrap="square">
+            <a:spAutoFit/>
+          </a:bodyPr>
+          <a:lstStyle/>
+          <a:p>
+            <a:r>
+              <a:rPr lang="en-US" dirty="0" err="1"/>
+              <a:t>loss.item</a:t>
+            </a:r>
+            <a:r>
+              <a:rPr lang="en-US" dirty="0"/>
+              <a:t>() 0.1527809053659439 </a:t>
+            </a:r>
+            <a:r>
+              <a:rPr lang="en-US" dirty="0" err="1"/>
+              <a:t>value_loss.item</a:t>
+            </a:r>
+            <a:r>
+              <a:rPr lang="en-US" dirty="0"/>
+              <a:t>() 0.03901302441954613 </a:t>
+            </a:r>
+            <a:r>
+              <a:rPr lang="en-US" dirty="0" err="1"/>
+              <a:t>surr_loss.item</a:t>
+            </a:r>
+            <a:r>
+              <a:rPr lang="en-US" dirty="0"/>
+              <a:t>() 0.1616269052028656 </a:t>
+            </a:r>
+            <a:r>
+              <a:rPr lang="en-US" dirty="0" err="1"/>
+              <a:t>entropy_loss.item</a:t>
+            </a:r>
+            <a:r>
+              <a:rPr lang="en-US" dirty="0"/>
+              <a:t>() -2.8352513313293457</a:t>
+            </a:r>
+          </a:p>
+          <a:p>
+            <a:r>
+              <a:rPr lang="en-US" dirty="0" err="1"/>
+              <a:t>loss.item</a:t>
+            </a:r>
+            <a:r>
+              <a:rPr lang="en-US" dirty="0"/>
+              <a:t>() 109.96417236328125 </a:t>
+            </a:r>
+            <a:r>
+              <a:rPr lang="en-US" dirty="0" err="1"/>
+              <a:t>value_loss.item</a:t>
+            </a:r>
+            <a:r>
+              <a:rPr lang="en-US" dirty="0"/>
+              <a:t>() 219.66030883789062 </a:t>
+            </a:r>
+            <a:r>
+              <a:rPr lang="en-US" dirty="0" err="1"/>
+              <a:t>surr_loss.item</a:t>
+            </a:r>
+            <a:r>
+              <a:rPr lang="en-US" dirty="0"/>
+              <a:t>() 0.1623990386724472 </a:t>
+            </a:r>
+            <a:r>
+              <a:rPr lang="en-US" dirty="0" err="1"/>
+              <a:t>entropy_loss.item</a:t>
+            </a:r>
+            <a:r>
+              <a:rPr lang="en-US" dirty="0"/>
+              <a:t>() -2.838313341140747</a:t>
+            </a:r>
+          </a:p>
+          <a:p>
+            <a:r>
+              <a:rPr lang="en-US" dirty="0" err="1"/>
+              <a:t>loss.item</a:t>
+            </a:r>
+            <a:r>
+              <a:rPr lang="en-US" dirty="0"/>
+              <a:t>() 3475.370849609375 </a:t>
+            </a:r>
+            <a:r>
+              <a:rPr lang="en-US" dirty="0" err="1"/>
+              <a:t>value_loss.item</a:t>
+            </a:r>
+            <a:r>
+              <a:rPr lang="en-US" dirty="0"/>
+              <a:t>() 6950.4736328125 </a:t>
+            </a:r>
+            <a:r>
+              <a:rPr lang="en-US" dirty="0" err="1"/>
+              <a:t>surr_loss.item</a:t>
+            </a:r>
+            <a:r>
+              <a:rPr lang="en-US" dirty="0"/>
+              <a:t>() 0.16225853562355042 </a:t>
+            </a:r>
+            <a:r>
+              <a:rPr lang="en-US" dirty="0" err="1"/>
+              <a:t>entropy_loss.item</a:t>
+            </a:r>
+            <a:r>
+              <a:rPr lang="en-US" dirty="0"/>
+              <a:t>() -2.837226390838623</a:t>
+            </a:r>
+          </a:p>
+          <a:p>
+            <a:r>
+              <a:rPr lang="en-US" dirty="0" err="1"/>
+              <a:t>loss.item</a:t>
+            </a:r>
+            <a:r>
+              <a:rPr lang="en-US" dirty="0"/>
+              <a:t>() 92.9514389038086 </a:t>
+            </a:r>
+            <a:r>
+              <a:rPr lang="en-US" dirty="0" err="1"/>
+              <a:t>value_loss.item</a:t>
+            </a:r>
+            <a:r>
+              <a:rPr lang="en-US" dirty="0"/>
+              <a:t>() 185.63577270507812 </a:t>
+            </a:r>
+            <a:r>
+              <a:rPr lang="en-US" dirty="0" err="1"/>
+              <a:t>surr_loss.item</a:t>
+            </a:r>
+            <a:r>
+              <a:rPr lang="en-US" dirty="0"/>
+              <a:t>() 0.16193367540836334 </a:t>
+            </a:r>
+            <a:r>
+              <a:rPr lang="en-US" dirty="0" err="1"/>
+              <a:t>entropy_loss.item</a:t>
+            </a:r>
+            <a:r>
+              <a:rPr lang="en-US" dirty="0"/>
+              <a:t>() -2.8384971618652344</a:t>
+            </a:r>
+          </a:p>
+        </p:txBody>
+      </p:sp>
+      <p:sp>
+        <p:nvSpPr>
+          <p:cNvPr id="8" name="TextBox 7">
+            <a:extLst>
+              <a:ext uri="{FF2B5EF4-FFF2-40B4-BE49-F238E27FC236}">
+                <a16:creationId xmlns:a16="http://schemas.microsoft.com/office/drawing/2014/main" id="{4D0E16B2-5119-D61F-7DE4-AF62A95D8919}"/>
+              </a:ext>
+            </a:extLst>
+          </p:cNvPr>
+          <p:cNvSpPr txBox="1"/>
+          <p:nvPr/>
+        </p:nvSpPr>
+        <p:spPr>
+          <a:xfrm>
+            <a:off x="591207" y="438071"/>
+            <a:ext cx="6101254" cy="369332"/>
+          </a:xfrm>
+          <a:prstGeom prst="rect">
+            <a:avLst/>
+          </a:prstGeom>
+          <a:noFill/>
+        </p:spPr>
+        <p:txBody>
+          <a:bodyPr wrap="square">
+            <a:spAutoFit/>
+          </a:bodyPr>
+          <a:lstStyle/>
+          <a:p>
+            <a:r>
+              <a:rPr lang="en-US" dirty="0"/>
+              <a:t>Lr</a:t>
+            </a:r>
+            <a:r>
+              <a:rPr lang="zh-CN" altLang="en-US" dirty="0"/>
+              <a:t> </a:t>
+            </a:r>
+            <a:r>
+              <a:rPr lang="en-US" altLang="zh-CN" dirty="0"/>
+              <a:t>=4</a:t>
+            </a:r>
+            <a:endParaRPr lang="en-US" dirty="0"/>
+          </a:p>
+        </p:txBody>
+      </p:sp>
+    </p:spTree>
+    <p:extLst>
+      <p:ext uri="{BB962C8B-B14F-4D97-AF65-F5344CB8AC3E}">
+        <p14:creationId xmlns:p14="http://schemas.microsoft.com/office/powerpoint/2010/main" val="2270751788"/>
       </p:ext>
     </p:extLst>
   </p:cSld>
